--- a/Reconocimiento de Medicamentos con IA.pptx
+++ b/Reconocimiento de Medicamentos con IA.pptx
@@ -5,28 +5,26 @@
     <p:sldMasterId id="2147483648" r:id="rId4"/>
   </p:sldMasterIdLst>
   <p:notesMasterIdLst>
-    <p:notesMasterId r:id="rId19"/>
+    <p:notesMasterId r:id="rId17"/>
   </p:notesMasterIdLst>
   <p:sldIdLst>
     <p:sldId id="256" r:id="rId5"/>
     <p:sldId id="257" r:id="rId6"/>
     <p:sldId id="261" r:id="rId7"/>
-    <p:sldId id="258" r:id="rId8"/>
-    <p:sldId id="272" r:id="rId9"/>
-    <p:sldId id="262" r:id="rId10"/>
-    <p:sldId id="271" r:id="rId11"/>
-    <p:sldId id="263" r:id="rId12"/>
-    <p:sldId id="269" r:id="rId13"/>
-    <p:sldId id="273" r:id="rId14"/>
-    <p:sldId id="264" r:id="rId15"/>
-    <p:sldId id="265" r:id="rId16"/>
-    <p:sldId id="266" r:id="rId17"/>
-    <p:sldId id="260" r:id="rId18"/>
+    <p:sldId id="262" r:id="rId8"/>
+    <p:sldId id="258" r:id="rId9"/>
+    <p:sldId id="271" r:id="rId10"/>
+    <p:sldId id="269" r:id="rId11"/>
+    <p:sldId id="273" r:id="rId12"/>
+    <p:sldId id="274" r:id="rId13"/>
+    <p:sldId id="275" r:id="rId14"/>
+    <p:sldId id="263" r:id="rId15"/>
+    <p:sldId id="260" r:id="rId16"/>
   </p:sldIdLst>
   <p:sldSz cx="9902825" cy="6858000"/>
   <p:notesSz cx="6858000" cy="9144000"/>
   <p:custDataLst>
-    <p:tags r:id="rId20"/>
+    <p:tags r:id="rId18"/>
   </p:custDataLst>
   <p:defaultTextStyle>
     <a:defPPr marR="0" lvl="0" algn="l" rtl="0">
@@ -273,7 +271,7 @@
       </p15:sldGuideLst>
     </p:ext>
     <p:ext uri="http://customooxmlschemas.google.com/">
-      <go:slidesCustomData xmlns:go="http://customooxmlschemas.google.com/" xmlns:ahyp="http://schemas.microsoft.com/office/drawing/2018/hyperlinkcolor" xmlns:p15="http://schemas.microsoft.com/office/powerpoint/2012/main" xmlns:p14="http://schemas.microsoft.com/office/powerpoint/2010/main" xmlns:com="http://schemas.openxmlformats.org/drawingml/2006/compatibility" xmlns:pvml="urn:schemas-microsoft-com:office:powerpoint" xmlns:v="urn:schemas-microsoft-com:vml" xmlns:o="urn:schemas-microsoft-com:office:office" xmlns:dgm="http://schemas.openxmlformats.org/drawingml/2006/diagram" xmlns:c="http://schemas.openxmlformats.org/drawingml/2006/chart" xmlns:mv="urn:schemas-microsoft-com:mac:vml" xmlns:mc="http://schemas.openxmlformats.org/markup-compatibility/2006" xmlns="" r:id="rId21" roundtripDataSignature="AMtx7mgzVOCuRa2lmBSldHvyNdTeCm17Yw=="/>
+      <go:slidesCustomData xmlns="" xmlns:mc="http://schemas.openxmlformats.org/markup-compatibility/2006" xmlns:mv="urn:schemas-microsoft-com:mac:vml" xmlns:c="http://schemas.openxmlformats.org/drawingml/2006/chart" xmlns:dgm="http://schemas.openxmlformats.org/drawingml/2006/diagram" xmlns:o="urn:schemas-microsoft-com:office:office" xmlns:v="urn:schemas-microsoft-com:vml" xmlns:pvml="urn:schemas-microsoft-com:office:powerpoint" xmlns:com="http://schemas.openxmlformats.org/drawingml/2006/compatibility" xmlns:p14="http://schemas.microsoft.com/office/powerpoint/2010/main" xmlns:p15="http://schemas.microsoft.com/office/powerpoint/2012/main" xmlns:ahyp="http://schemas.microsoft.com/office/drawing/2018/hyperlinkcolor" xmlns:go="http://customooxmlschemas.google.com/" r:id="rId21" roundtripDataSignature="AMtx7mgzVOCuRa2lmBSldHvyNdTeCm17Yw=="/>
     </p:ext>
   </p:extLst>
 </p:presentation>
@@ -1740,7 +1738,7 @@
             </a:pPr>
             <a:fld id="{00000000-1234-1234-1234-123412341234}" type="slidenum">
               <a:rPr lang="en-US"/>
-              <a:t>12</a:t>
+              <a:t>11</a:t>
             </a:fld>
             <a:endParaRPr/>
           </a:p>
@@ -1749,7 +1747,7 @@
     </p:spTree>
     <p:extLst>
       <p:ext uri="{BB962C8B-B14F-4D97-AF65-F5344CB8AC3E}">
-        <p14:creationId xmlns:p14="http://schemas.microsoft.com/office/powerpoint/2010/main" val="2324667148"/>
+        <p14:creationId xmlns:p14="http://schemas.microsoft.com/office/powerpoint/2010/main" val="1558026688"/>
       </p:ext>
     </p:extLst>
   </p:cSld>
@@ -1760,179 +1758,6 @@
 </file>
 
 <file path=ppt/notesSlides/notesSlide11.xml><?xml version="1.0" encoding="utf-8"?>
-<p:notes xmlns:a="http://schemas.openxmlformats.org/drawingml/2006/main" xmlns:r="http://schemas.openxmlformats.org/officeDocument/2006/relationships" xmlns:p="http://schemas.openxmlformats.org/presentationml/2006/main" showMasterSp="0" showMasterPhAnim="0">
-  <p:cSld>
-    <p:spTree>
-      <p:nvGrpSpPr>
-        <p:cNvPr id="1" name="Shape 63"/>
-        <p:cNvGrpSpPr/>
-        <p:nvPr/>
-      </p:nvGrpSpPr>
-      <p:grpSpPr>
-        <a:xfrm>
-          <a:off x="0" y="0"/>
-          <a:ext cx="0" cy="0"/>
-          <a:chOff x="0" y="0"/>
-          <a:chExt cx="0" cy="0"/>
-        </a:xfrm>
-      </p:grpSpPr>
-      <p:sp>
-        <p:nvSpPr>
-          <p:cNvPr id="64" name="Google Shape;64;p3:notes"/>
-          <p:cNvSpPr>
-            <a:spLocks noGrp="1" noRot="1" noChangeAspect="1"/>
-          </p:cNvSpPr>
-          <p:nvPr>
-            <p:ph type="sldImg" idx="2"/>
-          </p:nvPr>
-        </p:nvSpPr>
-        <p:spPr>
-          <a:xfrm>
-            <a:off x="1200150" y="1143000"/>
-            <a:ext cx="4457700" cy="3086100"/>
-          </a:xfrm>
-          <a:custGeom>
-            <a:avLst/>
-            <a:gdLst/>
-            <a:ahLst/>
-            <a:cxnLst/>
-            <a:rect l="l" t="t" r="r" b="b"/>
-            <a:pathLst>
-              <a:path w="120000" h="120000" extrusionOk="0">
-                <a:moveTo>
-                  <a:pt x="0" y="0"/>
-                </a:moveTo>
-                <a:lnTo>
-                  <a:pt x="120000" y="0"/>
-                </a:lnTo>
-                <a:lnTo>
-                  <a:pt x="120000" y="120000"/>
-                </a:lnTo>
-                <a:lnTo>
-                  <a:pt x="0" y="120000"/>
-                </a:lnTo>
-                <a:close/>
-              </a:path>
-            </a:pathLst>
-          </a:custGeom>
-          <a:noFill/>
-          <a:ln w="12700" cap="flat" cmpd="sng">
-            <a:solidFill>
-              <a:srgbClr val="000000"/>
-            </a:solidFill>
-            <a:prstDash val="solid"/>
-            <a:round/>
-            <a:headEnd type="none" w="sm" len="sm"/>
-            <a:tailEnd type="none" w="sm" len="sm"/>
-          </a:ln>
-        </p:spPr>
-      </p:sp>
-      <p:sp>
-        <p:nvSpPr>
-          <p:cNvPr id="65" name="Google Shape;65;p3:notes"/>
-          <p:cNvSpPr txBox="1">
-            <a:spLocks noGrp="1"/>
-          </p:cNvSpPr>
-          <p:nvPr>
-            <p:ph type="body" idx="1"/>
-          </p:nvPr>
-        </p:nvSpPr>
-        <p:spPr>
-          <a:xfrm>
-            <a:off x="685800" y="4400550"/>
-            <a:ext cx="5486400" cy="3600450"/>
-          </a:xfrm>
-          <a:prstGeom prst="rect">
-            <a:avLst/>
-          </a:prstGeom>
-          <a:noFill/>
-          <a:ln>
-            <a:noFill/>
-          </a:ln>
-        </p:spPr>
-        <p:txBody>
-          <a:bodyPr spcFirstLastPara="1" wrap="square" lIns="91425" tIns="45700" rIns="91425" bIns="45700" anchor="t" anchorCtr="0">
-            <a:noAutofit/>
-          </a:bodyPr>
-          <a:lstStyle/>
-          <a:p>
-            <a:pPr marL="0" lvl="0" indent="0" algn="l" rtl="0">
-              <a:spcBef>
-                <a:spcPts val="0"/>
-              </a:spcBef>
-              <a:spcAft>
-                <a:spcPts val="0"/>
-              </a:spcAft>
-              <a:buNone/>
-            </a:pPr>
-            <a:r>
-              <a:rPr lang="en-US" dirty="0"/>
-              <a:t>Note:</a:t>
-            </a:r>
-            <a:endParaRPr dirty="0"/>
-          </a:p>
-        </p:txBody>
-      </p:sp>
-      <p:sp>
-        <p:nvSpPr>
-          <p:cNvPr id="66" name="Google Shape;66;p3:notes"/>
-          <p:cNvSpPr txBox="1">
-            <a:spLocks noGrp="1"/>
-          </p:cNvSpPr>
-          <p:nvPr>
-            <p:ph type="sldNum" idx="12"/>
-          </p:nvPr>
-        </p:nvSpPr>
-        <p:spPr>
-          <a:xfrm>
-            <a:off x="3884613" y="8685213"/>
-            <a:ext cx="2971800" cy="458787"/>
-          </a:xfrm>
-          <a:prstGeom prst="rect">
-            <a:avLst/>
-          </a:prstGeom>
-          <a:noFill/>
-          <a:ln>
-            <a:noFill/>
-          </a:ln>
-        </p:spPr>
-        <p:txBody>
-          <a:bodyPr spcFirstLastPara="1" wrap="square" lIns="91425" tIns="45700" rIns="91425" bIns="45700" anchor="b" anchorCtr="0">
-            <a:noAutofit/>
-          </a:bodyPr>
-          <a:lstStyle/>
-          <a:p>
-            <a:pPr marL="0" lvl="0" indent="0" algn="r" rtl="0">
-              <a:spcBef>
-                <a:spcPts val="0"/>
-              </a:spcBef>
-              <a:spcAft>
-                <a:spcPts val="0"/>
-              </a:spcAft>
-              <a:buNone/>
-            </a:pPr>
-            <a:fld id="{00000000-1234-1234-1234-123412341234}" type="slidenum">
-              <a:rPr lang="en-US"/>
-              <a:t>13</a:t>
-            </a:fld>
-            <a:endParaRPr/>
-          </a:p>
-        </p:txBody>
-      </p:sp>
-    </p:spTree>
-    <p:extLst>
-      <p:ext uri="{BB962C8B-B14F-4D97-AF65-F5344CB8AC3E}">
-        <p14:creationId xmlns:p14="http://schemas.microsoft.com/office/powerpoint/2010/main" val="1736937553"/>
-      </p:ext>
-    </p:extLst>
-  </p:cSld>
-  <p:clrMapOvr>
-    <a:masterClrMapping/>
-  </p:clrMapOvr>
-</p:notes>
-</file>
-
-<file path=ppt/notesSlides/notesSlide12.xml><?xml version="1.0" encoding="utf-8"?>
 <p:notes xmlns:a="http://schemas.openxmlformats.org/drawingml/2006/main" xmlns:r="http://schemas.openxmlformats.org/officeDocument/2006/relationships" xmlns:p="http://schemas.openxmlformats.org/presentationml/2006/main" showMasterSp="0" showMasterPhAnim="0">
   <p:cSld>
     <p:spTree>
@@ -2474,6 +2299,11 @@
         </p:txBody>
       </p:sp>
     </p:spTree>
+    <p:extLst>
+      <p:ext uri="{BB962C8B-B14F-4D97-AF65-F5344CB8AC3E}">
+        <p14:creationId xmlns:p14="http://schemas.microsoft.com/office/powerpoint/2010/main" val="343554487"/>
+      </p:ext>
+    </p:extLst>
   </p:cSld>
   <p:clrMapOvr>
     <a:masterClrMapping/>
@@ -2635,18 +2465,13 @@
             </a:pPr>
             <a:fld id="{00000000-1234-1234-1234-123412341234}" type="slidenum">
               <a:rPr lang="en-US"/>
-              <a:t>6</a:t>
+              <a:t>5</a:t>
             </a:fld>
             <a:endParaRPr/>
           </a:p>
         </p:txBody>
       </p:sp>
     </p:spTree>
-    <p:extLst>
-      <p:ext uri="{BB962C8B-B14F-4D97-AF65-F5344CB8AC3E}">
-        <p14:creationId xmlns:p14="http://schemas.microsoft.com/office/powerpoint/2010/main" val="1026135645"/>
-      </p:ext>
-    </p:extLst>
   </p:cSld>
   <p:clrMapOvr>
     <a:masterClrMapping/>
@@ -2808,7 +2633,7 @@
             </a:pPr>
             <a:fld id="{00000000-1234-1234-1234-123412341234}" type="slidenum">
               <a:rPr lang="en-US"/>
-              <a:t>8</a:t>
+              <a:t>7</a:t>
             </a:fld>
             <a:endParaRPr/>
           </a:p>
@@ -2817,7 +2642,7 @@
     </p:spTree>
     <p:extLst>
       <p:ext uri="{BB962C8B-B14F-4D97-AF65-F5344CB8AC3E}">
-        <p14:creationId xmlns:p14="http://schemas.microsoft.com/office/powerpoint/2010/main" val="1558026688"/>
+        <p14:creationId xmlns:p14="http://schemas.microsoft.com/office/powerpoint/2010/main" val="3010191968"/>
       </p:ext>
     </p:extLst>
   </p:cSld>
@@ -2934,10 +2759,10 @@
               <a:buNone/>
             </a:pPr>
             <a:r>
-              <a:rPr lang="en-US" dirty="0"/>
+              <a:rPr lang="en-US"/>
               <a:t>Note:</a:t>
             </a:r>
-            <a:endParaRPr dirty="0"/>
+            <a:endParaRPr/>
           </a:p>
         </p:txBody>
       </p:sp>
@@ -2981,7 +2806,7 @@
             </a:pPr>
             <a:fld id="{00000000-1234-1234-1234-123412341234}" type="slidenum">
               <a:rPr lang="en-US"/>
-              <a:t>9</a:t>
+              <a:t>8</a:t>
             </a:fld>
             <a:endParaRPr/>
           </a:p>
@@ -2990,7 +2815,7 @@
     </p:spTree>
     <p:extLst>
       <p:ext uri="{BB962C8B-B14F-4D97-AF65-F5344CB8AC3E}">
-        <p14:creationId xmlns:p14="http://schemas.microsoft.com/office/powerpoint/2010/main" val="892680436"/>
+        <p14:creationId xmlns:p14="http://schemas.microsoft.com/office/powerpoint/2010/main" val="3634061640"/>
       </p:ext>
     </p:extLst>
   </p:cSld>
@@ -3154,7 +2979,7 @@
             </a:pPr>
             <a:fld id="{00000000-1234-1234-1234-123412341234}" type="slidenum">
               <a:rPr lang="en-US"/>
-              <a:t>10</a:t>
+              <a:t>9</a:t>
             </a:fld>
             <a:endParaRPr/>
           </a:p>
@@ -3163,7 +2988,7 @@
     </p:spTree>
     <p:extLst>
       <p:ext uri="{BB962C8B-B14F-4D97-AF65-F5344CB8AC3E}">
-        <p14:creationId xmlns:p14="http://schemas.microsoft.com/office/powerpoint/2010/main" val="2505125775"/>
+        <p14:creationId xmlns:p14="http://schemas.microsoft.com/office/powerpoint/2010/main" val="474511944"/>
       </p:ext>
     </p:extLst>
   </p:cSld>
@@ -3280,10 +3105,10 @@
               <a:buNone/>
             </a:pPr>
             <a:r>
-              <a:rPr lang="en-US" dirty="0"/>
+              <a:rPr lang="en-US"/>
               <a:t>Note:</a:t>
             </a:r>
-            <a:endParaRPr dirty="0"/>
+            <a:endParaRPr/>
           </a:p>
         </p:txBody>
       </p:sp>
@@ -3327,7 +3152,7 @@
             </a:pPr>
             <a:fld id="{00000000-1234-1234-1234-123412341234}" type="slidenum">
               <a:rPr lang="en-US"/>
-              <a:t>11</a:t>
+              <a:t>10</a:t>
             </a:fld>
             <a:endParaRPr/>
           </a:p>
@@ -3336,7 +3161,7 @@
     </p:spTree>
     <p:extLst>
       <p:ext uri="{BB962C8B-B14F-4D97-AF65-F5344CB8AC3E}">
-        <p14:creationId xmlns:p14="http://schemas.microsoft.com/office/powerpoint/2010/main" val="1204612033"/>
+        <p14:creationId xmlns:p14="http://schemas.microsoft.com/office/powerpoint/2010/main" val="1796128741"/>
       </p:ext>
     </p:extLst>
   </p:cSld>
@@ -7612,13 +7437,7 @@
       </p:grpSpPr>
       <p:sp>
         <p:nvSpPr>
-          <p:cNvPr id="8" name="Google Shape;68;p3">
-            <a:extLst>
-              <a:ext uri="{FF2B5EF4-FFF2-40B4-BE49-F238E27FC236}">
-                <a16:creationId xmlns:a16="http://schemas.microsoft.com/office/drawing/2014/main" id="{1353E338-1CAC-21B2-55E3-89BB274134AF}"/>
-              </a:ext>
-            </a:extLst>
-          </p:cNvPr>
+          <p:cNvPr id="68" name="Google Shape;68;p3"/>
           <p:cNvSpPr/>
           <p:nvPr/>
         </p:nvSpPr>
@@ -7692,12 +7511,252 @@
           </a:p>
         </p:txBody>
       </p:sp>
+      <p:sp>
+        <p:nvSpPr>
+          <p:cNvPr id="3" name="Google Shape;76;p3">
+            <a:extLst>
+              <a:ext uri="{FF2B5EF4-FFF2-40B4-BE49-F238E27FC236}">
+                <a16:creationId xmlns:a16="http://schemas.microsoft.com/office/drawing/2014/main" id="{14B6932B-C45C-8BFC-F7AE-5027085F0891}"/>
+              </a:ext>
+            </a:extLst>
+          </p:cNvPr>
+          <p:cNvSpPr/>
+          <p:nvPr/>
+        </p:nvSpPr>
+        <p:spPr>
+          <a:xfrm>
+            <a:off x="299590" y="2177119"/>
+            <a:ext cx="5015898" cy="1077218"/>
+          </a:xfrm>
+          <a:prstGeom prst="rect">
+            <a:avLst/>
+          </a:prstGeom>
+          <a:noFill/>
+          <a:ln>
+            <a:noFill/>
+          </a:ln>
+        </p:spPr>
+        <p:txBody>
+          <a:bodyPr spcFirstLastPara="1" wrap="square" lIns="0" tIns="0" rIns="0" bIns="0" anchor="t" anchorCtr="0">
+            <a:spAutoFit/>
+          </a:bodyPr>
+          <a:lstStyle/>
+          <a:p>
+            <a:pPr marL="285750" indent="-285750" algn="just">
+              <a:buFont typeface="Arial" panose="020B0604020202020204" pitchFamily="34" charset="0"/>
+              <a:buChar char="•"/>
+            </a:pPr>
+            <a:r>
+              <a:rPr lang="es-MX" b="1" dirty="0" err="1">
+                <a:solidFill>
+                  <a:schemeClr val="bg2"/>
+                </a:solidFill>
+              </a:rPr>
+              <a:t>tkinter</a:t>
+            </a:r>
+            <a:r>
+              <a:rPr lang="es-MX" b="1" dirty="0">
+                <a:solidFill>
+                  <a:schemeClr val="bg2"/>
+                </a:solidFill>
+              </a:rPr>
+              <a:t>: </a:t>
+            </a:r>
+            <a:r>
+              <a:rPr lang="es-MX" dirty="0">
+                <a:solidFill>
+                  <a:schemeClr val="bg2"/>
+                </a:solidFill>
+              </a:rPr>
+              <a:t>Biblioteca estándar de Python para la creación de interfaces gráficas de usuario (GUI). Se utiliza para crear la interfaz de la aplicación, incluyendo botones, etiquetas y ventanas emergentes.</a:t>
+            </a:r>
+          </a:p>
+          <a:p>
+            <a:pPr algn="just"/>
+            <a:endParaRPr lang="es-MX" dirty="0">
+              <a:solidFill>
+                <a:schemeClr val="bg2"/>
+              </a:solidFill>
+            </a:endParaRPr>
+          </a:p>
+        </p:txBody>
+      </p:sp>
+      <p:grpSp>
+        <p:nvGrpSpPr>
+          <p:cNvPr id="5" name="Google Shape;69;p3">
+            <a:extLst>
+              <a:ext uri="{FF2B5EF4-FFF2-40B4-BE49-F238E27FC236}">
+                <a16:creationId xmlns:a16="http://schemas.microsoft.com/office/drawing/2014/main" id="{70ED7B7F-DD2D-68E0-6984-1F4C8A5C6B3F}"/>
+              </a:ext>
+            </a:extLst>
+          </p:cNvPr>
+          <p:cNvGrpSpPr/>
+          <p:nvPr/>
+        </p:nvGrpSpPr>
+        <p:grpSpPr>
+          <a:xfrm>
+            <a:off x="618248" y="1706216"/>
+            <a:ext cx="8037689" cy="632207"/>
+            <a:chOff x="4181256" y="3224809"/>
+            <a:chExt cx="8037689" cy="632207"/>
+          </a:xfrm>
+        </p:grpSpPr>
+        <p:sp>
+          <p:nvSpPr>
+            <p:cNvPr id="6" name="Google Shape;70;p3">
+              <a:extLst>
+                <a:ext uri="{FF2B5EF4-FFF2-40B4-BE49-F238E27FC236}">
+                  <a16:creationId xmlns:a16="http://schemas.microsoft.com/office/drawing/2014/main" id="{11B5D045-D98A-D1A9-E439-907427A128D8}"/>
+                </a:ext>
+              </a:extLst>
+            </p:cNvPr>
+            <p:cNvSpPr/>
+            <p:nvPr/>
+          </p:nvSpPr>
+          <p:spPr>
+            <a:xfrm>
+              <a:off x="4364136" y="3225982"/>
+              <a:ext cx="7854809" cy="276999"/>
+            </a:xfrm>
+            <a:prstGeom prst="rect">
+              <a:avLst/>
+            </a:prstGeom>
+            <a:noFill/>
+            <a:ln>
+              <a:noFill/>
+            </a:ln>
+          </p:spPr>
+          <p:txBody>
+            <a:bodyPr spcFirstLastPara="1" wrap="square" lIns="0" tIns="0" rIns="0" bIns="0" anchor="ctr" anchorCtr="0">
+              <a:spAutoFit/>
+            </a:bodyPr>
+            <a:lstStyle/>
+            <a:p>
+              <a:r>
+                <a:rPr lang="es-VE" sz="1800" b="1" dirty="0">
+                  <a:solidFill>
+                    <a:srgbClr val="3F3F3F"/>
+                  </a:solidFill>
+                </a:rPr>
+                <a:t>Arquitectura del proyecto		       </a:t>
+              </a:r>
+              <a:r>
+                <a:rPr lang="es-VE" sz="1800" b="1" dirty="0" err="1">
+                  <a:solidFill>
+                    <a:srgbClr val="3F3F3F"/>
+                  </a:solidFill>
+                </a:rPr>
+                <a:t>Dataset</a:t>
+              </a:r>
+              <a:endParaRPr lang="en-US" b="1" dirty="0"/>
+            </a:p>
+          </p:txBody>
+        </p:sp>
+        <p:sp>
+          <p:nvSpPr>
+            <p:cNvPr id="7" name="Google Shape;71;p3">
+              <a:extLst>
+                <a:ext uri="{FF2B5EF4-FFF2-40B4-BE49-F238E27FC236}">
+                  <a16:creationId xmlns:a16="http://schemas.microsoft.com/office/drawing/2014/main" id="{ECD1EBA3-C8C2-501F-5C63-5CEDBDA8370E}"/>
+                </a:ext>
+              </a:extLst>
+            </p:cNvPr>
+            <p:cNvSpPr/>
+            <p:nvPr/>
+          </p:nvSpPr>
+          <p:spPr>
+            <a:xfrm>
+              <a:off x="4181256" y="3224809"/>
+              <a:ext cx="36000" cy="252000"/>
+            </a:xfrm>
+            <a:prstGeom prst="rect">
+              <a:avLst/>
+            </a:prstGeom>
+            <a:solidFill>
+              <a:srgbClr val="193EB0"/>
+            </a:solidFill>
+            <a:ln>
+              <a:noFill/>
+            </a:ln>
+          </p:spPr>
+          <p:txBody>
+            <a:bodyPr spcFirstLastPara="1" wrap="square" lIns="91425" tIns="45700" rIns="91425" bIns="45700" anchor="ctr" anchorCtr="0">
+              <a:noAutofit/>
+            </a:bodyPr>
+            <a:lstStyle/>
+            <a:p>
+              <a:pPr marL="0" marR="0" lvl="0" indent="0" algn="ctr" rtl="0">
+                <a:spcBef>
+                  <a:spcPts val="0"/>
+                </a:spcBef>
+                <a:spcAft>
+                  <a:spcPts val="0"/>
+                </a:spcAft>
+                <a:buNone/>
+              </a:pPr>
+              <a:endParaRPr sz="2800">
+                <a:solidFill>
+                  <a:schemeClr val="lt1"/>
+                </a:solidFill>
+                <a:latin typeface="Calibri"/>
+                <a:ea typeface="Calibri"/>
+                <a:cs typeface="Calibri"/>
+                <a:sym typeface="Calibri"/>
+              </a:endParaRPr>
+            </a:p>
+          </p:txBody>
+        </p:sp>
+        <p:sp>
+          <p:nvSpPr>
+            <p:cNvPr id="8" name="Google Shape;72;p3">
+              <a:extLst>
+                <a:ext uri="{FF2B5EF4-FFF2-40B4-BE49-F238E27FC236}">
+                  <a16:creationId xmlns:a16="http://schemas.microsoft.com/office/drawing/2014/main" id="{81C4721F-0EEF-F1DA-B387-A686DF2F88D9}"/>
+                </a:ext>
+              </a:extLst>
+            </p:cNvPr>
+            <p:cNvSpPr/>
+            <p:nvPr/>
+          </p:nvSpPr>
+          <p:spPr>
+            <a:xfrm>
+              <a:off x="5160752" y="3641572"/>
+              <a:ext cx="3400417" cy="215444"/>
+            </a:xfrm>
+            <a:prstGeom prst="rect">
+              <a:avLst/>
+            </a:prstGeom>
+            <a:noFill/>
+            <a:ln>
+              <a:noFill/>
+            </a:ln>
+          </p:spPr>
+          <p:txBody>
+            <a:bodyPr spcFirstLastPara="1" wrap="square" lIns="0" tIns="0" rIns="0" bIns="0" anchor="t" anchorCtr="0">
+              <a:spAutoFit/>
+            </a:bodyPr>
+            <a:lstStyle/>
+            <a:p>
+              <a:pPr marL="0" marR="0" lvl="0" indent="0" algn="l" rtl="0">
+                <a:spcBef>
+                  <a:spcPts val="0"/>
+                </a:spcBef>
+                <a:spcAft>
+                  <a:spcPts val="0"/>
+                </a:spcAft>
+                <a:buNone/>
+              </a:pPr>
+              <a:endParaRPr/>
+            </a:p>
+          </p:txBody>
+        </p:sp>
+      </p:grpSp>
       <p:pic>
         <p:nvPicPr>
-          <p:cNvPr id="2" name="Imagen 1" descr="86% de mexicanos toma medicamentos sin prescripción médica">
+          <p:cNvPr id="4" name="Imagen 3">
             <a:extLst>
               <a:ext uri="{FF2B5EF4-FFF2-40B4-BE49-F238E27FC236}">
-                <a16:creationId xmlns:a16="http://schemas.microsoft.com/office/drawing/2014/main" id="{48EF7E53-C686-A6F3-60F6-5C4676FABBAA}"/>
+                <a16:creationId xmlns:a16="http://schemas.microsoft.com/office/drawing/2014/main" id="{12B11475-CE27-0FF3-C903-7E253C968FE0}"/>
               </a:ext>
             </a:extLst>
           </p:cNvPr>
@@ -7706,15 +7765,16 @@
           </p:cNvPicPr>
           <p:nvPr/>
         </p:nvPicPr>
-        <p:blipFill rotWithShape="1">
+        <p:blipFill>
           <a:blip r:embed="rId4"/>
-          <a:srcRect r="247" b="23153"/>
-          <a:stretch/>
+          <a:stretch>
+            <a:fillRect/>
+          </a:stretch>
         </p:blipFill>
         <p:spPr>
           <a:xfrm>
-            <a:off x="1600780" y="2026960"/>
-            <a:ext cx="7229004" cy="2794720"/>
+            <a:off x="528795" y="3603664"/>
+            <a:ext cx="4377341" cy="2193480"/>
           </a:xfrm>
           <a:prstGeom prst="rect">
             <a:avLst/>
@@ -7723,65 +7783,111 @@
       </p:pic>
       <p:sp>
         <p:nvSpPr>
-          <p:cNvPr id="3" name="CuadroTexto 2">
+          <p:cNvPr id="9" name="Google Shape;76;p3">
             <a:extLst>
               <a:ext uri="{FF2B5EF4-FFF2-40B4-BE49-F238E27FC236}">
-                <a16:creationId xmlns:a16="http://schemas.microsoft.com/office/drawing/2014/main" id="{0FF7D188-B5E5-3908-D99E-5EEE85E63763}"/>
+                <a16:creationId xmlns:a16="http://schemas.microsoft.com/office/drawing/2014/main" id="{3A78558F-14F0-3E04-5992-FE45FEB52E4B}"/>
               </a:ext>
             </a:extLst>
           </p:cNvPr>
-          <p:cNvSpPr txBox="1"/>
+          <p:cNvSpPr/>
           <p:nvPr/>
         </p:nvSpPr>
         <p:spPr>
           <a:xfrm>
-            <a:off x="1906733" y="1711825"/>
-            <a:ext cx="6620164" cy="307777"/>
+            <a:off x="5555331" y="2122979"/>
+            <a:ext cx="3528709" cy="1077218"/>
           </a:xfrm>
           <a:prstGeom prst="rect">
             <a:avLst/>
           </a:prstGeom>
           <a:noFill/>
+          <a:ln>
+            <a:noFill/>
+          </a:ln>
         </p:spPr>
         <p:txBody>
-          <a:bodyPr rot="0" spcFirstLastPara="0" vertOverflow="overflow" horzOverflow="overflow" vert="horz" wrap="square" lIns="91440" tIns="45720" rIns="91440" bIns="45720" numCol="1" spcCol="0" rtlCol="0" fromWordArt="0" anchor="t" anchorCtr="0" forceAA="0" compatLnSpc="1">
-            <a:prstTxWarp prst="textNoShape">
-              <a:avLst/>
-            </a:prstTxWarp>
+          <a:bodyPr spcFirstLastPara="1" wrap="square" lIns="0" tIns="0" rIns="0" bIns="0" anchor="t" anchorCtr="0">
             <a:spAutoFit/>
           </a:bodyPr>
           <a:lstStyle/>
           <a:p>
+            <a:pPr marL="285750" indent="-285750" algn="just">
+              <a:buFont typeface="Arial" panose="020B0604020202020204" pitchFamily="34" charset="0"/>
+              <a:buChar char="•"/>
+            </a:pPr>
             <a:r>
-              <a:rPr lang="es-ES"/>
-              <a:t>Donde las personas de </a:t>
+              <a:rPr lang="es-MX" dirty="0">
+                <a:solidFill>
+                  <a:schemeClr val="bg2"/>
+                </a:solidFill>
+              </a:rPr>
+              <a:t>El </a:t>
             </a:r>
             <a:r>
-              <a:rPr lang="es-ES" err="1"/>
-              <a:t>mexico</a:t>
+              <a:rPr lang="es-MX" dirty="0" err="1">
+                <a:solidFill>
+                  <a:schemeClr val="bg2"/>
+                </a:solidFill>
+              </a:rPr>
+              <a:t>dataset</a:t>
             </a:r>
             <a:r>
-              <a:rPr lang="es-ES"/>
-              <a:t> tienden a buscar </a:t>
+              <a:rPr lang="es-MX" dirty="0">
+                <a:solidFill>
+                  <a:schemeClr val="bg2"/>
+                </a:solidFill>
+              </a:rPr>
+              <a:t> fue creado descargando varias imágenes y creando sus etiquetas. Está disponible en nuestra carpeta Data en el repositorio. Ejemplo:</a:t>
             </a:r>
-            <a:r>
-              <a:rPr lang="es-ES" err="1"/>
-              <a:t>informacion</a:t>
-            </a:r>
-            <a:r>
-              <a:rPr lang="es-ES"/>
-              <a:t> de medicamentos</a:t>
-            </a:r>
+          </a:p>
+          <a:p>
+            <a:pPr algn="just"/>
+            <a:endParaRPr lang="es-MX" dirty="0">
+              <a:solidFill>
+                <a:schemeClr val="bg2"/>
+              </a:solidFill>
+            </a:endParaRPr>
           </a:p>
         </p:txBody>
       </p:sp>
+      <p:pic>
+        <p:nvPicPr>
+          <p:cNvPr id="13" name="Imagen 12">
+            <a:extLst>
+              <a:ext uri="{FF2B5EF4-FFF2-40B4-BE49-F238E27FC236}">
+                <a16:creationId xmlns:a16="http://schemas.microsoft.com/office/drawing/2014/main" id="{AAFE0107-89F1-E1A2-FA1F-F9CA4BE9FD31}"/>
+              </a:ext>
+            </a:extLst>
+          </p:cNvPr>
+          <p:cNvPicPr>
+            <a:picLocks noChangeAspect="1"/>
+          </p:cNvPicPr>
+          <p:nvPr/>
+        </p:nvPicPr>
+        <p:blipFill>
+          <a:blip r:embed="rId5"/>
+          <a:stretch>
+            <a:fillRect/>
+          </a:stretch>
+        </p:blipFill>
+        <p:spPr>
+          <a:xfrm>
+            <a:off x="5131014" y="3515289"/>
+            <a:ext cx="4377341" cy="2377099"/>
+          </a:xfrm>
+          <a:prstGeom prst="rect">
+            <a:avLst/>
+          </a:prstGeom>
+        </p:spPr>
+      </p:pic>
     </p:spTree>
     <p:custDataLst>
       <p:tags r:id="rId1"/>
     </p:custDataLst>
     <p:extLst>
       <p:ext uri="{BB962C8B-B14F-4D97-AF65-F5344CB8AC3E}">
-        <p14:creationId xmlns:p14="http://schemas.microsoft.com/office/powerpoint/2010/main" val="42746327"/>
+        <p14:creationId xmlns:p14="http://schemas.microsoft.com/office/powerpoint/2010/main" val="1208415499"/>
       </p:ext>
     </p:extLst>
   </p:cSld>
@@ -7830,8 +7936,8 @@
           </p:nvSpPr>
           <p:spPr>
             <a:xfrm>
-              <a:off x="4364136" y="3087483"/>
-              <a:ext cx="7854809" cy="553998"/>
+              <a:off x="4364136" y="3225982"/>
+              <a:ext cx="7854809" cy="276999"/>
             </a:xfrm>
             <a:prstGeom prst="rect">
               <a:avLst/>
@@ -7847,7 +7953,7 @@
             </a:bodyPr>
             <a:lstStyle/>
             <a:p>
-              <a:pPr marL="0" marR="0" lvl="0" indent="0" algn="l" rtl="0">
+              <a:pPr marL="0" marR="0" lvl="0" indent="0" rtl="0">
                 <a:spcBef>
                   <a:spcPts val="0"/>
                 </a:spcBef>
@@ -7857,22 +7963,22 @@
                 <a:buNone/>
               </a:pPr>
               <a:r>
-                <a:rPr lang="en-US" sz="1800">
+                <a:rPr lang="en-US" sz="1800" dirty="0">
                   <a:solidFill>
                     <a:srgbClr val="3F3F3F"/>
                   </a:solidFill>
                 </a:rPr>
-                <a:t>4.</a:t>
+                <a:t>	</a:t>
               </a:r>
               <a:r>
-                <a:rPr lang="es-MX" sz="1800">
+                <a:rPr lang="es-MX" sz="1800" b="1" dirty="0">
                   <a:solidFill>
                     <a:srgbClr val="3F3F3F"/>
                   </a:solidFill>
                 </a:rPr>
-                <a:t> 	¿Alguna pregunta pendiente y/o suposición a la que pueda 	responder sobre su idea?</a:t>
+                <a:t>Competencia</a:t>
               </a:r>
-              <a:endParaRPr lang="en-US"/>
+              <a:endParaRPr lang="en-US" b="1" dirty="0"/>
             </a:p>
           </p:txBody>
         </p:sp>
@@ -7971,8 +8077,8 @@
         </p:nvSpPr>
         <p:spPr>
           <a:xfrm>
-            <a:off x="1757927" y="2907304"/>
-            <a:ext cx="5789048" cy="646331"/>
+            <a:off x="1671928" y="2386176"/>
+            <a:ext cx="5789048" cy="1292662"/>
           </a:xfrm>
           <a:prstGeom prst="rect">
             <a:avLst/>
@@ -7990,156 +8096,32 @@
           <a:p>
             <a:pPr algn="just"/>
             <a:r>
-              <a:rPr lang="es-MX">
-                <a:solidFill>
-                  <a:schemeClr val="bg2"/>
+              <a:rPr lang="es-MX" dirty="0">
+                <a:solidFill>
+                  <a:schemeClr val="tx1"/>
                 </a:solidFill>
               </a:rPr>
-              <a:t>Cómo abordar las preocupaciones éticas </a:t>
+              <a:t>A diferencia de otros softwares de reconocimiento de objetos, nuestra base de datos propia permite una búsqueda más eficiente de información sobre medicamentos. Mientras que softwares como Google Lens tardan entre 15 y 60 segundos </a:t>
             </a:r>
             <a:r>
-              <a:rPr lang="es-MX" sz="1400" dirty="0">
-                <a:solidFill>
-                  <a:schemeClr val="bg2"/>
-                </a:solidFill>
-                <a:latin typeface="Arial"/>
-                <a:ea typeface="Arial"/>
-                <a:cs typeface="Arial"/>
-                <a:sym typeface="Arial"/>
+              <a:rPr lang="es-MX" dirty="0" err="1">
+                <a:solidFill>
+                  <a:schemeClr val="tx1"/>
+                </a:solidFill>
               </a:rPr>
-              <a:t>y de </a:t>
+              <a:t>ademas</a:t>
             </a:r>
             <a:r>
-              <a:rPr lang="es-MX">
-                <a:solidFill>
-                  <a:schemeClr val="bg2"/>
+              <a:rPr lang="es-MX" dirty="0">
+                <a:solidFill>
+                  <a:schemeClr val="tx1"/>
                 </a:solidFill>
               </a:rPr>
-              <a:t>privacidad relacionadas con </a:t>
+              <a:t> pueden resultar confusos los usuarios a la hora de buscar, el nuestro proporciona la información detallada en solo 5 a 10 segundos gracias a su interfaz sencilla de utilizar.</a:t>
             </a:r>
-            <a:r>
-              <a:rPr lang="es-MX" sz="1400">
-                <a:solidFill>
-                  <a:schemeClr val="bg2"/>
-                </a:solidFill>
-                <a:latin typeface="Arial"/>
-                <a:ea typeface="Arial"/>
-                <a:cs typeface="Arial"/>
-                <a:sym typeface="Arial"/>
-              </a:rPr>
-              <a:t>el </a:t>
-            </a:r>
-            <a:r>
-              <a:rPr lang="es-MX">
-                <a:solidFill>
-                  <a:schemeClr val="bg2"/>
-                </a:solidFill>
-              </a:rPr>
-              <a:t>uso </a:t>
-            </a:r>
-            <a:r>
-              <a:rPr lang="es-MX" sz="1400" dirty="0">
-                <a:solidFill>
-                  <a:schemeClr val="bg2"/>
-                </a:solidFill>
-                <a:latin typeface="Arial"/>
-                <a:ea typeface="Arial"/>
-                <a:cs typeface="Arial"/>
-                <a:sym typeface="Arial"/>
-              </a:rPr>
-              <a:t>de </a:t>
-            </a:r>
-            <a:r>
-              <a:rPr lang="es-MX">
-                <a:solidFill>
-                  <a:schemeClr val="bg2"/>
-                </a:solidFill>
-              </a:rPr>
-              <a:t>información personal en un proyecto </a:t>
-            </a:r>
-            <a:r>
-              <a:rPr lang="es-MX" sz="1400" dirty="0">
-                <a:solidFill>
-                  <a:schemeClr val="bg2"/>
-                </a:solidFill>
-                <a:latin typeface="Arial"/>
-                <a:ea typeface="Arial"/>
-                <a:cs typeface="Arial"/>
-                <a:sym typeface="Arial"/>
-              </a:rPr>
-              <a:t>como </a:t>
-            </a:r>
-            <a:r>
-              <a:rPr lang="es-MX">
-                <a:solidFill>
-                  <a:schemeClr val="bg2"/>
-                </a:solidFill>
-              </a:rPr>
-              <a:t>este </a:t>
-            </a:r>
-            <a:r>
-              <a:rPr lang="es-MX" sz="1400" dirty="0">
-                <a:solidFill>
-                  <a:schemeClr val="bg2"/>
-                </a:solidFill>
-                <a:latin typeface="Arial"/>
-                <a:ea typeface="Arial"/>
-                <a:cs typeface="Arial"/>
-                <a:sym typeface="Arial"/>
-              </a:rPr>
-              <a:t>de </a:t>
-            </a:r>
-            <a:r>
-              <a:rPr lang="es-MX">
-                <a:solidFill>
-                  <a:schemeClr val="bg2"/>
-                </a:solidFill>
-              </a:rPr>
-              <a:t>detección </a:t>
-            </a:r>
-            <a:r>
-              <a:rPr lang="es-MX" sz="1400" dirty="0">
-                <a:solidFill>
-                  <a:schemeClr val="bg2"/>
-                </a:solidFill>
-                <a:latin typeface="Arial"/>
-                <a:ea typeface="Arial"/>
-                <a:cs typeface="Arial"/>
-                <a:sym typeface="Arial"/>
-              </a:rPr>
-              <a:t>y </a:t>
-            </a:r>
-            <a:r>
-              <a:rPr lang="es-MX">
-                <a:solidFill>
-                  <a:schemeClr val="bg2"/>
-                </a:solidFill>
-              </a:rPr>
-              <a:t>recomendación </a:t>
-            </a:r>
-            <a:r>
-              <a:rPr lang="es-MX" sz="1400" dirty="0">
-                <a:solidFill>
-                  <a:schemeClr val="bg2"/>
-                </a:solidFill>
-                <a:latin typeface="Arial"/>
-                <a:ea typeface="Arial"/>
-                <a:cs typeface="Arial"/>
-                <a:sym typeface="Arial"/>
-              </a:rPr>
-              <a:t>de </a:t>
-            </a:r>
-            <a:r>
-              <a:rPr lang="es-MX">
-                <a:solidFill>
-                  <a:schemeClr val="bg2"/>
-                </a:solidFill>
-              </a:rPr>
-              <a:t>medicamentos</a:t>
-            </a:r>
-            <a:endParaRPr lang="es-ES">
+            <a:endParaRPr lang="es-ES" dirty="0">
               <a:solidFill>
-                <a:schemeClr val="bg2"/>
+                <a:schemeClr val="tx1"/>
               </a:solidFill>
             </a:endParaRPr>
           </a:p>
@@ -8150,7 +8132,7 @@
           <p:cNvPr id="3" name="Google Shape;68;p3">
             <a:extLst>
               <a:ext uri="{FF2B5EF4-FFF2-40B4-BE49-F238E27FC236}">
-                <a16:creationId xmlns:a16="http://schemas.microsoft.com/office/drawing/2014/main" id="{10D7F42F-87B3-DAB0-38E3-C714DD1B0993}"/>
+                <a16:creationId xmlns:a16="http://schemas.microsoft.com/office/drawing/2014/main" id="{D99072BE-BF9D-D3EA-6DEE-BD5D40217C14}"/>
               </a:ext>
             </a:extLst>
           </p:cNvPr>
@@ -8227,13 +8209,43 @@
           </a:p>
         </p:txBody>
       </p:sp>
+      <p:pic>
+        <p:nvPicPr>
+          <p:cNvPr id="5" name="Imagen 4">
+            <a:extLst>
+              <a:ext uri="{FF2B5EF4-FFF2-40B4-BE49-F238E27FC236}">
+                <a16:creationId xmlns:a16="http://schemas.microsoft.com/office/drawing/2014/main" id="{3F7BDDE2-63F5-0945-3846-B7A250A37DC4}"/>
+              </a:ext>
+            </a:extLst>
+          </p:cNvPr>
+          <p:cNvPicPr>
+            <a:picLocks noChangeAspect="1"/>
+          </p:cNvPicPr>
+          <p:nvPr/>
+        </p:nvPicPr>
+        <p:blipFill>
+          <a:blip r:embed="rId4"/>
+          <a:stretch>
+            <a:fillRect/>
+          </a:stretch>
+        </p:blipFill>
+        <p:spPr>
+          <a:xfrm>
+            <a:off x="3154288" y="3968694"/>
+            <a:ext cx="3148488" cy="2363833"/>
+          </a:xfrm>
+          <a:prstGeom prst="rect">
+            <a:avLst/>
+          </a:prstGeom>
+        </p:spPr>
+      </p:pic>
     </p:spTree>
     <p:custDataLst>
       <p:tags r:id="rId1"/>
     </p:custDataLst>
     <p:extLst>
       <p:ext uri="{BB962C8B-B14F-4D97-AF65-F5344CB8AC3E}">
-        <p14:creationId xmlns:p14="http://schemas.microsoft.com/office/powerpoint/2010/main" val="789953013"/>
+        <p14:creationId xmlns:p14="http://schemas.microsoft.com/office/powerpoint/2010/main" val="2897094079"/>
       </p:ext>
     </p:extLst>
   </p:cSld>
@@ -8244,1185 +8256,6 @@
 </file>
 
 <file path=ppt/slides/slide12.xml><?xml version="1.0" encoding="utf-8"?>
-<p:sld xmlns:a="http://schemas.openxmlformats.org/drawingml/2006/main" xmlns:r="http://schemas.openxmlformats.org/officeDocument/2006/relationships" xmlns:p="http://schemas.openxmlformats.org/presentationml/2006/main">
-  <p:cSld>
-    <p:spTree>
-      <p:nvGrpSpPr>
-        <p:cNvPr id="1" name="Shape 67"/>
-        <p:cNvGrpSpPr/>
-        <p:nvPr/>
-      </p:nvGrpSpPr>
-      <p:grpSpPr>
-        <a:xfrm>
-          <a:off x="0" y="0"/>
-          <a:ext cx="0" cy="0"/>
-          <a:chOff x="0" y="0"/>
-          <a:chExt cx="0" cy="0"/>
-        </a:xfrm>
-      </p:grpSpPr>
-      <p:grpSp>
-        <p:nvGrpSpPr>
-          <p:cNvPr id="69" name="Google Shape;69;p3"/>
-          <p:cNvGrpSpPr/>
-          <p:nvPr/>
-        </p:nvGrpSpPr>
-        <p:grpSpPr>
-          <a:xfrm>
-            <a:off x="644303" y="1291891"/>
-            <a:ext cx="7931050" cy="1046532"/>
-            <a:chOff x="4207311" y="2810484"/>
-            <a:chExt cx="7931050" cy="1046532"/>
-          </a:xfrm>
-        </p:grpSpPr>
-        <p:sp>
-          <p:nvSpPr>
-            <p:cNvPr id="70" name="Google Shape;70;p3"/>
-            <p:cNvSpPr/>
-            <p:nvPr/>
-          </p:nvSpPr>
-          <p:spPr>
-            <a:xfrm>
-              <a:off x="4283552" y="3060624"/>
-              <a:ext cx="7854809" cy="553998"/>
-            </a:xfrm>
-            <a:prstGeom prst="rect">
-              <a:avLst/>
-            </a:prstGeom>
-            <a:noFill/>
-            <a:ln>
-              <a:noFill/>
-            </a:ln>
-          </p:spPr>
-          <p:txBody>
-            <a:bodyPr spcFirstLastPara="1" wrap="square" lIns="0" tIns="0" rIns="0" bIns="0" anchor="ctr" anchorCtr="0">
-              <a:spAutoFit/>
-            </a:bodyPr>
-            <a:lstStyle/>
-            <a:p>
-              <a:pPr marL="0" marR="0" lvl="0" indent="0" algn="l" rtl="0">
-                <a:spcBef>
-                  <a:spcPts val="0"/>
-                </a:spcBef>
-                <a:spcAft>
-                  <a:spcPts val="0"/>
-                </a:spcAft>
-                <a:buNone/>
-              </a:pPr>
-              <a:r>
-                <a:rPr lang="en-US" sz="1800">
-                  <a:solidFill>
-                    <a:srgbClr val="3F3F3F"/>
-                  </a:solidFill>
-                </a:rPr>
-                <a:t>5.</a:t>
-              </a:r>
-              <a:r>
-                <a:rPr lang="es-MX" sz="1800">
-                  <a:solidFill>
-                    <a:srgbClr val="3F3F3F"/>
-                  </a:solidFill>
-                </a:rPr>
-                <a:t> 	¿Cuáles son las preguntas más importantes que quedan por 	responder antes de seguir desarrollando esta idea?</a:t>
-              </a:r>
-              <a:endParaRPr lang="en-US"/>
-            </a:p>
-          </p:txBody>
-        </p:sp>
-        <p:sp>
-          <p:nvSpPr>
-            <p:cNvPr id="71" name="Google Shape;71;p3"/>
-            <p:cNvSpPr/>
-            <p:nvPr/>
-          </p:nvSpPr>
-          <p:spPr>
-            <a:xfrm flipH="1">
-              <a:off x="4207311" y="2810484"/>
-              <a:ext cx="45719" cy="1046532"/>
-            </a:xfrm>
-            <a:prstGeom prst="rect">
-              <a:avLst/>
-            </a:prstGeom>
-            <a:solidFill>
-              <a:srgbClr val="193EB0"/>
-            </a:solidFill>
-            <a:ln>
-              <a:noFill/>
-            </a:ln>
-          </p:spPr>
-          <p:txBody>
-            <a:bodyPr spcFirstLastPara="1" wrap="square" lIns="91425" tIns="45700" rIns="91425" bIns="45700" anchor="ctr" anchorCtr="0">
-              <a:noAutofit/>
-            </a:bodyPr>
-            <a:lstStyle/>
-            <a:p>
-              <a:pPr marL="0" marR="0" lvl="0" indent="0" algn="ctr" rtl="0">
-                <a:spcBef>
-                  <a:spcPts val="0"/>
-                </a:spcBef>
-                <a:spcAft>
-                  <a:spcPts val="0"/>
-                </a:spcAft>
-                <a:buNone/>
-              </a:pPr>
-              <a:endParaRPr sz="2800">
-                <a:solidFill>
-                  <a:schemeClr val="lt1"/>
-                </a:solidFill>
-                <a:latin typeface="Calibri"/>
-                <a:ea typeface="Calibri"/>
-                <a:cs typeface="Calibri"/>
-                <a:sym typeface="Calibri"/>
-              </a:endParaRPr>
-            </a:p>
-          </p:txBody>
-        </p:sp>
-        <p:sp>
-          <p:nvSpPr>
-            <p:cNvPr id="72" name="Google Shape;72;p3"/>
-            <p:cNvSpPr/>
-            <p:nvPr/>
-          </p:nvSpPr>
-          <p:spPr>
-            <a:xfrm>
-              <a:off x="5160752" y="3641572"/>
-              <a:ext cx="3400417" cy="215444"/>
-            </a:xfrm>
-            <a:prstGeom prst="rect">
-              <a:avLst/>
-            </a:prstGeom>
-            <a:noFill/>
-            <a:ln>
-              <a:noFill/>
-            </a:ln>
-          </p:spPr>
-          <p:txBody>
-            <a:bodyPr spcFirstLastPara="1" wrap="square" lIns="0" tIns="0" rIns="0" bIns="0" anchor="t" anchorCtr="0">
-              <a:spAutoFit/>
-            </a:bodyPr>
-            <a:lstStyle/>
-            <a:p>
-              <a:pPr marL="0" marR="0" lvl="0" indent="0" algn="l" rtl="0">
-                <a:spcBef>
-                  <a:spcPts val="0"/>
-                </a:spcBef>
-                <a:spcAft>
-                  <a:spcPts val="0"/>
-                </a:spcAft>
-                <a:buNone/>
-              </a:pPr>
-              <a:endParaRPr/>
-            </a:p>
-          </p:txBody>
-        </p:sp>
-      </p:grpSp>
-      <p:sp>
-        <p:nvSpPr>
-          <p:cNvPr id="76" name="Google Shape;76;p3"/>
-          <p:cNvSpPr/>
-          <p:nvPr/>
-        </p:nvSpPr>
-        <p:spPr>
-          <a:xfrm>
-            <a:off x="2053400" y="2808305"/>
-            <a:ext cx="5789048" cy="2585323"/>
-          </a:xfrm>
-          <a:prstGeom prst="rect">
-            <a:avLst/>
-          </a:prstGeom>
-          <a:noFill/>
-          <a:ln>
-            <a:noFill/>
-          </a:ln>
-        </p:spPr>
-        <p:txBody>
-          <a:bodyPr spcFirstLastPara="1" wrap="square" lIns="0" tIns="0" rIns="0" bIns="0" anchor="t" anchorCtr="0">
-            <a:spAutoFit/>
-          </a:bodyPr>
-          <a:lstStyle/>
-          <a:p>
-            <a:pPr marL="285750" indent="-285750" algn="just">
-              <a:buFont typeface="Arial" panose="020B0604020202020204" pitchFamily="34" charset="0"/>
-              <a:buChar char="•"/>
-            </a:pPr>
-            <a:r>
-              <a:rPr lang="es-MX" sz="1400" dirty="0">
-                <a:solidFill>
-                  <a:schemeClr val="bg2"/>
-                </a:solidFill>
-                <a:latin typeface="Arial"/>
-                <a:ea typeface="Arial"/>
-                <a:cs typeface="Arial"/>
-                <a:sym typeface="Arial"/>
-              </a:rPr>
-              <a:t>¿</a:t>
-            </a:r>
-            <a:r>
-              <a:rPr lang="es-MX">
-                <a:solidFill>
-                  <a:schemeClr val="bg2"/>
-                </a:solidFill>
-              </a:rPr>
-              <a:t>Cómo se gestionará y actualizará la base </a:t>
-            </a:r>
-            <a:r>
-              <a:rPr lang="es-MX" sz="1400" dirty="0">
-                <a:solidFill>
-                  <a:schemeClr val="bg2"/>
-                </a:solidFill>
-                <a:latin typeface="Arial"/>
-                <a:ea typeface="Arial"/>
-                <a:cs typeface="Arial"/>
-                <a:sym typeface="Arial"/>
-              </a:rPr>
-              <a:t>de </a:t>
-            </a:r>
-            <a:r>
-              <a:rPr lang="es-MX">
-                <a:solidFill>
-                  <a:schemeClr val="bg2"/>
-                </a:solidFill>
-              </a:rPr>
-              <a:t>datos </a:t>
-            </a:r>
-            <a:r>
-              <a:rPr lang="es-MX" sz="1400" dirty="0">
-                <a:solidFill>
-                  <a:schemeClr val="bg2"/>
-                </a:solidFill>
-                <a:latin typeface="Arial"/>
-                <a:ea typeface="Arial"/>
-                <a:cs typeface="Arial"/>
-                <a:sym typeface="Arial"/>
-              </a:rPr>
-              <a:t>de </a:t>
-            </a:r>
-            <a:r>
-              <a:rPr lang="es-MX">
-                <a:solidFill>
-                  <a:schemeClr val="bg2"/>
-                </a:solidFill>
-              </a:rPr>
-              <a:t>medicamentos para asegurar que la información proporcionada sea precisa </a:t>
-            </a:r>
-            <a:r>
-              <a:rPr lang="es-MX" sz="1400" dirty="0">
-                <a:solidFill>
-                  <a:schemeClr val="bg2"/>
-                </a:solidFill>
-                <a:latin typeface="Arial"/>
-                <a:ea typeface="Arial"/>
-                <a:cs typeface="Arial"/>
-                <a:sym typeface="Arial"/>
-              </a:rPr>
-              <a:t>y </a:t>
-            </a:r>
-            <a:r>
-              <a:rPr lang="es-MX">
-                <a:solidFill>
-                  <a:schemeClr val="bg2"/>
-                </a:solidFill>
-              </a:rPr>
-              <a:t>actualizada</a:t>
-            </a:r>
-            <a:r>
-              <a:rPr lang="es-MX" sz="1400" dirty="0">
-                <a:solidFill>
-                  <a:schemeClr val="bg2"/>
-                </a:solidFill>
-                <a:latin typeface="Arial"/>
-                <a:ea typeface="Arial"/>
-                <a:cs typeface="Arial"/>
-                <a:sym typeface="Arial"/>
-              </a:rPr>
-              <a:t>?</a:t>
-            </a:r>
-            <a:endParaRPr lang="es-ES">
-              <a:solidFill>
-                <a:schemeClr val="bg2"/>
-              </a:solidFill>
-            </a:endParaRPr>
-          </a:p>
-          <a:p>
-            <a:pPr marL="0" marR="0" lvl="0" indent="0" algn="just" rtl="0">
-              <a:spcBef>
-                <a:spcPts val="0"/>
-              </a:spcBef>
-              <a:spcAft>
-                <a:spcPts val="0"/>
-              </a:spcAft>
-              <a:buNone/>
-            </a:pPr>
-            <a:endParaRPr lang="es-MX" sz="1400" dirty="0">
-              <a:solidFill>
-                <a:schemeClr val="bg2"/>
-              </a:solidFill>
-              <a:latin typeface="Arial"/>
-              <a:ea typeface="Arial"/>
-              <a:cs typeface="Arial"/>
-              <a:sym typeface="Arial"/>
-            </a:endParaRPr>
-          </a:p>
-          <a:p>
-            <a:pPr marL="285750" indent="-285750" algn="just">
-              <a:buFont typeface="Arial" panose="020B0604020202020204" pitchFamily="34" charset="0"/>
-              <a:buChar char="•"/>
-            </a:pPr>
-            <a:r>
-              <a:rPr lang="es-MX" sz="1400" dirty="0">
-                <a:solidFill>
-                  <a:schemeClr val="bg2"/>
-                </a:solidFill>
-                <a:latin typeface="Arial"/>
-                <a:ea typeface="Arial"/>
-                <a:cs typeface="Arial"/>
-                <a:sym typeface="Arial"/>
-              </a:rPr>
-              <a:t>¿</a:t>
-            </a:r>
-            <a:r>
-              <a:rPr lang="es-MX">
-                <a:solidFill>
-                  <a:schemeClr val="bg2"/>
-                </a:solidFill>
-              </a:rPr>
-              <a:t>Cómo se integrará la colaboración con profesionales de la salud para validar la precisión de la información proporcionada </a:t>
-            </a:r>
-            <a:r>
-              <a:rPr lang="es-MX" sz="1400">
-                <a:solidFill>
-                  <a:schemeClr val="bg2"/>
-                </a:solidFill>
-                <a:latin typeface="Arial"/>
-                <a:ea typeface="Arial"/>
-                <a:cs typeface="Arial"/>
-                <a:sym typeface="Arial"/>
-              </a:rPr>
-              <a:t>y </a:t>
-            </a:r>
-            <a:r>
-              <a:rPr lang="es-MX">
-                <a:solidFill>
-                  <a:schemeClr val="bg2"/>
-                </a:solidFill>
-              </a:rPr>
-              <a:t>ofrecer recomendaciones médicas</a:t>
-            </a:r>
-            <a:r>
-              <a:rPr lang="es-MX" sz="1400" dirty="0">
-                <a:solidFill>
-                  <a:schemeClr val="bg2"/>
-                </a:solidFill>
-                <a:latin typeface="Arial"/>
-                <a:ea typeface="Arial"/>
-                <a:cs typeface="Arial"/>
-                <a:sym typeface="Arial"/>
-              </a:rPr>
-              <a:t>?</a:t>
-            </a:r>
-            <a:endParaRPr lang="es-MX" sz="1400">
-              <a:solidFill>
-                <a:schemeClr val="bg2"/>
-              </a:solidFill>
-              <a:latin typeface="Arial"/>
-              <a:ea typeface="Arial"/>
-              <a:cs typeface="Arial"/>
-            </a:endParaRPr>
-          </a:p>
-          <a:p>
-            <a:pPr marL="0" marR="0" lvl="0" indent="0" algn="just" rtl="0">
-              <a:spcBef>
-                <a:spcPts val="0"/>
-              </a:spcBef>
-              <a:spcAft>
-                <a:spcPts val="0"/>
-              </a:spcAft>
-              <a:buNone/>
-            </a:pPr>
-            <a:endParaRPr lang="es-MX" sz="1400" dirty="0">
-              <a:solidFill>
-                <a:schemeClr val="bg2"/>
-              </a:solidFill>
-              <a:latin typeface="Arial"/>
-              <a:ea typeface="Arial"/>
-              <a:cs typeface="Arial"/>
-              <a:sym typeface="Arial"/>
-            </a:endParaRPr>
-          </a:p>
-          <a:p>
-            <a:pPr marL="285750" indent="-285750" algn="just">
-              <a:buFont typeface="Arial" panose="020B0604020202020204" pitchFamily="34" charset="0"/>
-              <a:buChar char="•"/>
-            </a:pPr>
-            <a:r>
-              <a:rPr lang="es-MX" sz="1400" dirty="0">
-                <a:solidFill>
-                  <a:schemeClr val="bg2"/>
-                </a:solidFill>
-                <a:latin typeface="Arial"/>
-                <a:ea typeface="Arial"/>
-                <a:cs typeface="Arial"/>
-                <a:sym typeface="Arial"/>
-              </a:rPr>
-              <a:t>¿</a:t>
-            </a:r>
-            <a:r>
-              <a:rPr lang="es-MX">
-                <a:solidFill>
-                  <a:schemeClr val="bg2"/>
-                </a:solidFill>
-              </a:rPr>
-              <a:t>Cómo se identificarán y mitigarán los posibles riesgos asociados con la automedicación </a:t>
-            </a:r>
-            <a:r>
-              <a:rPr lang="es-MX" sz="1400">
-                <a:solidFill>
-                  <a:schemeClr val="bg2"/>
-                </a:solidFill>
-                <a:latin typeface="Arial"/>
-                <a:ea typeface="Arial"/>
-                <a:cs typeface="Arial"/>
-                <a:sym typeface="Arial"/>
-              </a:rPr>
-              <a:t>y la </a:t>
-            </a:r>
-            <a:r>
-              <a:rPr lang="es-MX">
-                <a:solidFill>
-                  <a:schemeClr val="bg2"/>
-                </a:solidFill>
-              </a:rPr>
-              <a:t>información proporcionada </a:t>
-            </a:r>
-            <a:r>
-              <a:rPr lang="es-MX" sz="1400">
-                <a:solidFill>
-                  <a:schemeClr val="bg2"/>
-                </a:solidFill>
-                <a:latin typeface="Arial"/>
-                <a:ea typeface="Arial"/>
-                <a:cs typeface="Arial"/>
-                <a:sym typeface="Arial"/>
-              </a:rPr>
-              <a:t>por </a:t>
-            </a:r>
-            <a:r>
-              <a:rPr lang="es-MX">
-                <a:solidFill>
-                  <a:schemeClr val="bg2"/>
-                </a:solidFill>
-              </a:rPr>
-              <a:t>la aplicación para asegurar la seguridad y </a:t>
-            </a:r>
-            <a:r>
-              <a:rPr lang="es-MX" sz="1400">
-                <a:solidFill>
-                  <a:schemeClr val="bg2"/>
-                </a:solidFill>
-                <a:latin typeface="Arial"/>
-                <a:ea typeface="Arial"/>
-                <a:cs typeface="Arial"/>
-                <a:sym typeface="Arial"/>
-              </a:rPr>
-              <a:t>el </a:t>
-            </a:r>
-            <a:r>
-              <a:rPr lang="es-MX">
-                <a:solidFill>
-                  <a:schemeClr val="bg2"/>
-                </a:solidFill>
-              </a:rPr>
-              <a:t>bienestar de los usuarios</a:t>
-            </a:r>
-            <a:r>
-              <a:rPr lang="es-MX" sz="1400" dirty="0">
-                <a:solidFill>
-                  <a:schemeClr val="bg2"/>
-                </a:solidFill>
-                <a:latin typeface="Arial"/>
-                <a:ea typeface="Arial"/>
-                <a:cs typeface="Arial"/>
-                <a:sym typeface="Arial"/>
-              </a:rPr>
-              <a:t>?</a:t>
-            </a:r>
-            <a:endParaRPr lang="es-MX" sz="1400">
-              <a:solidFill>
-                <a:schemeClr val="bg2"/>
-              </a:solidFill>
-              <a:latin typeface="Arial"/>
-              <a:ea typeface="Arial"/>
-              <a:cs typeface="Arial"/>
-            </a:endParaRPr>
-          </a:p>
-          <a:p>
-            <a:pPr marR="0" lvl="0" algn="just" rtl="0">
-              <a:spcBef>
-                <a:spcPts val="0"/>
-              </a:spcBef>
-              <a:spcAft>
-                <a:spcPts val="0"/>
-              </a:spcAft>
-            </a:pPr>
-            <a:endParaRPr lang="es-MX" sz="1400">
-              <a:solidFill>
-                <a:schemeClr val="bg2"/>
-              </a:solidFill>
-              <a:latin typeface="Arial"/>
-              <a:ea typeface="Arial"/>
-              <a:cs typeface="Arial"/>
-              <a:sym typeface="Arial"/>
-            </a:endParaRPr>
-          </a:p>
-        </p:txBody>
-      </p:sp>
-      <p:sp>
-        <p:nvSpPr>
-          <p:cNvPr id="3" name="Google Shape;68;p3">
-            <a:extLst>
-              <a:ext uri="{FF2B5EF4-FFF2-40B4-BE49-F238E27FC236}">
-                <a16:creationId xmlns:a16="http://schemas.microsoft.com/office/drawing/2014/main" id="{A2496470-FAD2-670D-8FF5-ED49EF39E0CB}"/>
-              </a:ext>
-            </a:extLst>
-          </p:cNvPr>
-          <p:cNvSpPr/>
-          <p:nvPr/>
-        </p:nvSpPr>
-        <p:spPr>
-          <a:xfrm>
-            <a:off x="528795" y="372009"/>
-            <a:ext cx="9374030" cy="861774"/>
-          </a:xfrm>
-          <a:prstGeom prst="rect">
-            <a:avLst/>
-          </a:prstGeom>
-          <a:noFill/>
-          <a:ln>
-            <a:noFill/>
-          </a:ln>
-        </p:spPr>
-        <p:txBody>
-          <a:bodyPr spcFirstLastPara="1" wrap="square" lIns="0" tIns="0" rIns="0" bIns="0" anchor="t" anchorCtr="0">
-            <a:spAutoFit/>
-          </a:bodyPr>
-          <a:lstStyle/>
-          <a:p>
-            <a:r>
-              <a:rPr lang="es-MX" sz="2800">
-                <a:solidFill>
-                  <a:schemeClr val="bg1"/>
-                </a:solidFill>
-              </a:rPr>
-              <a:t>Reconocimiento </a:t>
-            </a:r>
-            <a:r>
-              <a:rPr lang="es-MX" sz="2800">
-                <a:solidFill>
-                  <a:schemeClr val="bg1"/>
-                </a:solidFill>
-                <a:latin typeface="Arial"/>
-                <a:ea typeface="Arial"/>
-                <a:cs typeface="Arial"/>
-                <a:sym typeface="Arial"/>
-              </a:rPr>
-              <a:t>de </a:t>
-            </a:r>
-            <a:r>
-              <a:rPr lang="es-MX" sz="2800">
-                <a:solidFill>
-                  <a:schemeClr val="bg1"/>
-                </a:solidFill>
-              </a:rPr>
-              <a:t>Medicamentos con IA</a:t>
-            </a:r>
-            <a:endParaRPr lang="es-MX" sz="2800"/>
-          </a:p>
-          <a:p>
-            <a:pPr marL="0" marR="0" lvl="0" indent="0" algn="l">
-              <a:spcBef>
-                <a:spcPts val="0"/>
-              </a:spcBef>
-              <a:spcAft>
-                <a:spcPts val="0"/>
-              </a:spcAft>
-              <a:buNone/>
-            </a:pPr>
-            <a:endParaRPr lang="es-MX" sz="2800">
-              <a:solidFill>
-                <a:schemeClr val="lt1"/>
-              </a:solidFill>
-              <a:latin typeface="Arial"/>
-              <a:ea typeface="Arial"/>
-              <a:cs typeface="Arial"/>
-            </a:endParaRPr>
-          </a:p>
-        </p:txBody>
-      </p:sp>
-    </p:spTree>
-    <p:custDataLst>
-      <p:tags r:id="rId1"/>
-    </p:custDataLst>
-    <p:extLst>
-      <p:ext uri="{BB962C8B-B14F-4D97-AF65-F5344CB8AC3E}">
-        <p14:creationId xmlns:p14="http://schemas.microsoft.com/office/powerpoint/2010/main" val="4253952341"/>
-      </p:ext>
-    </p:extLst>
-  </p:cSld>
-  <p:clrMapOvr>
-    <a:masterClrMapping/>
-  </p:clrMapOvr>
-</p:sld>
-</file>
-
-<file path=ppt/slides/slide13.xml><?xml version="1.0" encoding="utf-8"?>
-<p:sld xmlns:a="http://schemas.openxmlformats.org/drawingml/2006/main" xmlns:r="http://schemas.openxmlformats.org/officeDocument/2006/relationships" xmlns:p="http://schemas.openxmlformats.org/presentationml/2006/main">
-  <p:cSld>
-    <p:spTree>
-      <p:nvGrpSpPr>
-        <p:cNvPr id="1" name="Shape 67"/>
-        <p:cNvGrpSpPr/>
-        <p:nvPr/>
-      </p:nvGrpSpPr>
-      <p:grpSpPr>
-        <a:xfrm>
-          <a:off x="0" y="0"/>
-          <a:ext cx="0" cy="0"/>
-          <a:chOff x="0" y="0"/>
-          <a:chExt cx="0" cy="0"/>
-        </a:xfrm>
-      </p:grpSpPr>
-      <p:grpSp>
-        <p:nvGrpSpPr>
-          <p:cNvPr id="69" name="Google Shape;69;p3"/>
-          <p:cNvGrpSpPr/>
-          <p:nvPr/>
-        </p:nvGrpSpPr>
-        <p:grpSpPr>
-          <a:xfrm>
-            <a:off x="644303" y="1291891"/>
-            <a:ext cx="8011634" cy="1046532"/>
-            <a:chOff x="4207311" y="2810484"/>
-            <a:chExt cx="8011634" cy="1046532"/>
-          </a:xfrm>
-        </p:grpSpPr>
-        <p:sp>
-          <p:nvSpPr>
-            <p:cNvPr id="70" name="Google Shape;70;p3"/>
-            <p:cNvSpPr/>
-            <p:nvPr/>
-          </p:nvSpPr>
-          <p:spPr>
-            <a:xfrm>
-              <a:off x="4364136" y="2948984"/>
-              <a:ext cx="7854809" cy="830997"/>
-            </a:xfrm>
-            <a:prstGeom prst="rect">
-              <a:avLst/>
-            </a:prstGeom>
-            <a:noFill/>
-            <a:ln>
-              <a:noFill/>
-            </a:ln>
-          </p:spPr>
-          <p:txBody>
-            <a:bodyPr spcFirstLastPara="1" wrap="square" lIns="0" tIns="0" rIns="0" bIns="0" anchor="ctr" anchorCtr="0">
-              <a:spAutoFit/>
-            </a:bodyPr>
-            <a:lstStyle/>
-            <a:p>
-              <a:pPr marL="0" marR="0" lvl="0" indent="0" algn="l" rtl="0">
-                <a:spcBef>
-                  <a:spcPts val="0"/>
-                </a:spcBef>
-                <a:spcAft>
-                  <a:spcPts val="0"/>
-                </a:spcAft>
-                <a:buNone/>
-              </a:pPr>
-              <a:r>
-                <a:rPr lang="en-US" sz="1800">
-                  <a:solidFill>
-                    <a:srgbClr val="3F3F3F"/>
-                  </a:solidFill>
-                </a:rPr>
-                <a:t>6.</a:t>
-              </a:r>
-              <a:r>
-                <a:rPr lang="es-MX" sz="1800">
-                  <a:solidFill>
-                    <a:srgbClr val="3F3F3F"/>
-                  </a:solidFill>
-                </a:rPr>
-                <a:t> 	¿Cuál es el objetivo principal o la métrica sobre la que intenta influir 	con esta prueba (por ejemplo, compras, valor medio de los pedidos, 	envío de formularios, etc.)?</a:t>
-              </a:r>
-              <a:endParaRPr lang="en-US"/>
-            </a:p>
-          </p:txBody>
-        </p:sp>
-        <p:sp>
-          <p:nvSpPr>
-            <p:cNvPr id="71" name="Google Shape;71;p3"/>
-            <p:cNvSpPr/>
-            <p:nvPr/>
-          </p:nvSpPr>
-          <p:spPr>
-            <a:xfrm flipH="1">
-              <a:off x="4207311" y="2810484"/>
-              <a:ext cx="45719" cy="1046532"/>
-            </a:xfrm>
-            <a:prstGeom prst="rect">
-              <a:avLst/>
-            </a:prstGeom>
-            <a:solidFill>
-              <a:srgbClr val="193EB0"/>
-            </a:solidFill>
-            <a:ln>
-              <a:noFill/>
-            </a:ln>
-          </p:spPr>
-          <p:txBody>
-            <a:bodyPr spcFirstLastPara="1" wrap="square" lIns="91425" tIns="45700" rIns="91425" bIns="45700" anchor="ctr" anchorCtr="0">
-              <a:noAutofit/>
-            </a:bodyPr>
-            <a:lstStyle/>
-            <a:p>
-              <a:pPr marL="0" marR="0" lvl="0" indent="0" algn="ctr" rtl="0">
-                <a:spcBef>
-                  <a:spcPts val="0"/>
-                </a:spcBef>
-                <a:spcAft>
-                  <a:spcPts val="0"/>
-                </a:spcAft>
-                <a:buNone/>
-              </a:pPr>
-              <a:endParaRPr sz="2800">
-                <a:solidFill>
-                  <a:schemeClr val="lt1"/>
-                </a:solidFill>
-                <a:latin typeface="Calibri"/>
-                <a:ea typeface="Calibri"/>
-                <a:cs typeface="Calibri"/>
-                <a:sym typeface="Calibri"/>
-              </a:endParaRPr>
-            </a:p>
-          </p:txBody>
-        </p:sp>
-        <p:sp>
-          <p:nvSpPr>
-            <p:cNvPr id="72" name="Google Shape;72;p3"/>
-            <p:cNvSpPr/>
-            <p:nvPr/>
-          </p:nvSpPr>
-          <p:spPr>
-            <a:xfrm>
-              <a:off x="5160752" y="3641572"/>
-              <a:ext cx="3400417" cy="215444"/>
-            </a:xfrm>
-            <a:prstGeom prst="rect">
-              <a:avLst/>
-            </a:prstGeom>
-            <a:noFill/>
-            <a:ln>
-              <a:noFill/>
-            </a:ln>
-          </p:spPr>
-          <p:txBody>
-            <a:bodyPr spcFirstLastPara="1" wrap="square" lIns="0" tIns="0" rIns="0" bIns="0" anchor="t" anchorCtr="0">
-              <a:spAutoFit/>
-            </a:bodyPr>
-            <a:lstStyle/>
-            <a:p>
-              <a:pPr marL="0" marR="0" lvl="0" indent="0" algn="l" rtl="0">
-                <a:spcBef>
-                  <a:spcPts val="0"/>
-                </a:spcBef>
-                <a:spcAft>
-                  <a:spcPts val="0"/>
-                </a:spcAft>
-                <a:buNone/>
-              </a:pPr>
-              <a:endParaRPr/>
-            </a:p>
-          </p:txBody>
-        </p:sp>
-      </p:grpSp>
-      <p:sp>
-        <p:nvSpPr>
-          <p:cNvPr id="76" name="Google Shape;76;p3"/>
-          <p:cNvSpPr/>
-          <p:nvPr/>
-        </p:nvSpPr>
-        <p:spPr>
-          <a:xfrm>
-            <a:off x="2250383" y="2835164"/>
-            <a:ext cx="5789048" cy="1723549"/>
-          </a:xfrm>
-          <a:prstGeom prst="rect">
-            <a:avLst/>
-          </a:prstGeom>
-          <a:noFill/>
-          <a:ln>
-            <a:noFill/>
-          </a:ln>
-        </p:spPr>
-        <p:txBody>
-          <a:bodyPr spcFirstLastPara="1" wrap="square" lIns="0" tIns="0" rIns="0" bIns="0" anchor="t" anchorCtr="0">
-            <a:spAutoFit/>
-          </a:bodyPr>
-          <a:lstStyle/>
-          <a:p>
-            <a:pPr algn="just"/>
-            <a:r>
-              <a:rPr lang="es-MX">
-                <a:solidFill>
-                  <a:schemeClr val="bg2"/>
-                </a:solidFill>
-              </a:rPr>
-              <a:t>El objetivo </a:t>
-            </a:r>
-            <a:r>
-              <a:rPr lang="es-MX" dirty="0">
-                <a:solidFill>
-                  <a:schemeClr val="bg2"/>
-                </a:solidFill>
-              </a:rPr>
-              <a:t>principal de </a:t>
-            </a:r>
-            <a:r>
-              <a:rPr lang="es-MX">
-                <a:solidFill>
-                  <a:schemeClr val="bg2"/>
-                </a:solidFill>
-              </a:rPr>
-              <a:t>esta iniciativa </a:t>
-            </a:r>
-            <a:r>
-              <a:rPr lang="es-MX" dirty="0">
-                <a:solidFill>
-                  <a:schemeClr val="bg2"/>
-                </a:solidFill>
-              </a:rPr>
-              <a:t>es </a:t>
-            </a:r>
-            <a:r>
-              <a:rPr lang="es-MX">
-                <a:solidFill>
-                  <a:schemeClr val="bg2"/>
-                </a:solidFill>
-              </a:rPr>
-              <a:t>mejorar </a:t>
-            </a:r>
-            <a:r>
-              <a:rPr lang="es-MX" dirty="0">
-                <a:solidFill>
-                  <a:schemeClr val="bg2"/>
-                </a:solidFill>
-              </a:rPr>
-              <a:t>la </a:t>
-            </a:r>
-            <a:r>
-              <a:rPr lang="es-MX">
-                <a:solidFill>
-                  <a:schemeClr val="bg2"/>
-                </a:solidFill>
-              </a:rPr>
-              <a:t>salud pública al proporcionar a las personas información precisa </a:t>
-            </a:r>
-            <a:r>
-              <a:rPr lang="es-MX" dirty="0">
-                <a:solidFill>
-                  <a:schemeClr val="bg2"/>
-                </a:solidFill>
-              </a:rPr>
-              <a:t>y </a:t>
-            </a:r>
-            <a:r>
-              <a:rPr lang="es-MX">
-                <a:solidFill>
-                  <a:schemeClr val="bg2"/>
-                </a:solidFill>
-              </a:rPr>
-              <a:t>accesible sobre los medicamentos que consumen. Esto incluye educar sobre sus usos adecuados, posibles efectos secundarios </a:t>
-            </a:r>
-            <a:r>
-              <a:rPr lang="es-MX" dirty="0">
-                <a:solidFill>
-                  <a:schemeClr val="bg2"/>
-                </a:solidFill>
-              </a:rPr>
-              <a:t>y la </a:t>
-            </a:r>
-            <a:r>
-              <a:rPr lang="es-MX">
-                <a:solidFill>
-                  <a:schemeClr val="bg2"/>
-                </a:solidFill>
-              </a:rPr>
-              <a:t>importancia </a:t>
-            </a:r>
-            <a:r>
-              <a:rPr lang="es-MX" dirty="0">
-                <a:solidFill>
-                  <a:schemeClr val="bg2"/>
-                </a:solidFill>
-              </a:rPr>
-              <a:t>de </a:t>
-            </a:r>
-            <a:r>
-              <a:rPr lang="es-MX">
-                <a:solidFill>
-                  <a:schemeClr val="bg2"/>
-                </a:solidFill>
-              </a:rPr>
-              <a:t>consultar con profesionales </a:t>
-            </a:r>
-            <a:r>
-              <a:rPr lang="es-MX" dirty="0">
-                <a:solidFill>
-                  <a:schemeClr val="bg2"/>
-                </a:solidFill>
-              </a:rPr>
-              <a:t>de </a:t>
-            </a:r>
-            <a:r>
-              <a:rPr lang="es-MX">
-                <a:solidFill>
-                  <a:schemeClr val="bg2"/>
-                </a:solidFill>
-              </a:rPr>
-              <a:t>la salud</a:t>
-            </a:r>
-            <a:r>
-              <a:rPr lang="es-MX" dirty="0">
-                <a:solidFill>
-                  <a:schemeClr val="bg2"/>
-                </a:solidFill>
-              </a:rPr>
-              <a:t>. </a:t>
-            </a:r>
-            <a:r>
-              <a:rPr lang="es-MX">
-                <a:solidFill>
-                  <a:schemeClr val="bg2"/>
-                </a:solidFill>
-              </a:rPr>
-              <a:t>Así</a:t>
-            </a:r>
-            <a:r>
-              <a:rPr lang="es-MX" dirty="0">
-                <a:solidFill>
-                  <a:schemeClr val="bg2"/>
-                </a:solidFill>
-              </a:rPr>
-              <a:t>, se </a:t>
-            </a:r>
-            <a:r>
-              <a:rPr lang="es-MX">
-                <a:solidFill>
-                  <a:schemeClr val="bg2"/>
-                </a:solidFill>
-              </a:rPr>
-              <a:t>pretende reducir los riesgos asociados con </a:t>
-            </a:r>
-            <a:r>
-              <a:rPr lang="es-MX" dirty="0">
-                <a:solidFill>
-                  <a:schemeClr val="bg2"/>
-                </a:solidFill>
-              </a:rPr>
-              <a:t>la </a:t>
-            </a:r>
-            <a:r>
-              <a:rPr lang="es-MX">
-                <a:solidFill>
-                  <a:schemeClr val="bg2"/>
-                </a:solidFill>
-              </a:rPr>
-              <a:t>automedicación </a:t>
-            </a:r>
-            <a:r>
-              <a:rPr lang="es-MX" dirty="0">
-                <a:solidFill>
-                  <a:schemeClr val="bg2"/>
-                </a:solidFill>
-              </a:rPr>
-              <a:t>y fomentar </a:t>
-            </a:r>
-            <a:r>
-              <a:rPr lang="es-MX">
-                <a:solidFill>
-                  <a:schemeClr val="bg2"/>
-                </a:solidFill>
-              </a:rPr>
-              <a:t>prácticas más seguras </a:t>
-            </a:r>
-            <a:r>
-              <a:rPr lang="es-MX" dirty="0">
-                <a:solidFill>
-                  <a:schemeClr val="bg2"/>
-                </a:solidFill>
-              </a:rPr>
-              <a:t>y </a:t>
-            </a:r>
-            <a:r>
-              <a:rPr lang="es-MX">
-                <a:solidFill>
-                  <a:schemeClr val="bg2"/>
-                </a:solidFill>
-              </a:rPr>
-              <a:t>conscientes entre </a:t>
-            </a:r>
-            <a:r>
-              <a:rPr lang="es-MX" dirty="0">
-                <a:solidFill>
-                  <a:schemeClr val="bg2"/>
-                </a:solidFill>
-              </a:rPr>
-              <a:t>la </a:t>
-            </a:r>
-            <a:r>
-              <a:rPr lang="es-MX">
-                <a:solidFill>
-                  <a:schemeClr val="bg2"/>
-                </a:solidFill>
-              </a:rPr>
-              <a:t>población</a:t>
-            </a:r>
-            <a:r>
-              <a:rPr lang="es-MX" dirty="0">
-                <a:solidFill>
-                  <a:schemeClr val="bg2"/>
-                </a:solidFill>
-              </a:rPr>
-              <a:t>.</a:t>
-            </a:r>
-            <a:endParaRPr lang="es-ES">
-              <a:solidFill>
-                <a:schemeClr val="bg2"/>
-              </a:solidFill>
-            </a:endParaRPr>
-          </a:p>
-          <a:p>
-            <a:pPr marL="285750" marR="0" lvl="0" indent="-285750" algn="just" rtl="0">
-              <a:spcBef>
-                <a:spcPts val="0"/>
-              </a:spcBef>
-              <a:spcAft>
-                <a:spcPts val="0"/>
-              </a:spcAft>
-              <a:buFont typeface="Arial" panose="020B0604020202020204" pitchFamily="34" charset="0"/>
-              <a:buChar char="•"/>
-            </a:pPr>
-            <a:endParaRPr lang="es-MX" sz="1400" dirty="0">
-              <a:solidFill>
-                <a:schemeClr val="bg2"/>
-              </a:solidFill>
-              <a:latin typeface="Arial"/>
-              <a:ea typeface="Arial"/>
-              <a:cs typeface="Arial"/>
-              <a:sym typeface="Arial"/>
-            </a:endParaRPr>
-          </a:p>
-        </p:txBody>
-      </p:sp>
-      <p:sp>
-        <p:nvSpPr>
-          <p:cNvPr id="5" name="Google Shape;68;p3">
-            <a:extLst>
-              <a:ext uri="{FF2B5EF4-FFF2-40B4-BE49-F238E27FC236}">
-                <a16:creationId xmlns:a16="http://schemas.microsoft.com/office/drawing/2014/main" id="{F26D93E3-841E-C78C-1092-75C95EEFAA74}"/>
-              </a:ext>
-            </a:extLst>
-          </p:cNvPr>
-          <p:cNvSpPr/>
-          <p:nvPr/>
-        </p:nvSpPr>
-        <p:spPr>
-          <a:xfrm>
-            <a:off x="528795" y="372009"/>
-            <a:ext cx="9374030" cy="861774"/>
-          </a:xfrm>
-          <a:prstGeom prst="rect">
-            <a:avLst/>
-          </a:prstGeom>
-          <a:noFill/>
-          <a:ln>
-            <a:noFill/>
-          </a:ln>
-        </p:spPr>
-        <p:txBody>
-          <a:bodyPr spcFirstLastPara="1" wrap="square" lIns="0" tIns="0" rIns="0" bIns="0" anchor="t" anchorCtr="0">
-            <a:spAutoFit/>
-          </a:bodyPr>
-          <a:lstStyle/>
-          <a:p>
-            <a:r>
-              <a:rPr lang="es-MX" sz="2800">
-                <a:solidFill>
-                  <a:schemeClr val="bg1"/>
-                </a:solidFill>
-              </a:rPr>
-              <a:t>Reconocimiento </a:t>
-            </a:r>
-            <a:r>
-              <a:rPr lang="es-MX" sz="2800">
-                <a:solidFill>
-                  <a:schemeClr val="bg1"/>
-                </a:solidFill>
-                <a:latin typeface="Arial"/>
-                <a:ea typeface="Arial"/>
-                <a:cs typeface="Arial"/>
-                <a:sym typeface="Arial"/>
-              </a:rPr>
-              <a:t>de </a:t>
-            </a:r>
-            <a:r>
-              <a:rPr lang="es-MX" sz="2800">
-                <a:solidFill>
-                  <a:schemeClr val="bg1"/>
-                </a:solidFill>
-              </a:rPr>
-              <a:t>Medicamentos con IA</a:t>
-            </a:r>
-            <a:endParaRPr lang="es-MX" sz="2800"/>
-          </a:p>
-          <a:p>
-            <a:pPr marL="0" marR="0" lvl="0" indent="0" algn="l">
-              <a:spcBef>
-                <a:spcPts val="0"/>
-              </a:spcBef>
-              <a:spcAft>
-                <a:spcPts val="0"/>
-              </a:spcAft>
-              <a:buNone/>
-            </a:pPr>
-            <a:endParaRPr lang="es-MX" sz="2800">
-              <a:solidFill>
-                <a:schemeClr val="lt1"/>
-              </a:solidFill>
-              <a:latin typeface="Arial"/>
-              <a:ea typeface="Arial"/>
-              <a:cs typeface="Arial"/>
-            </a:endParaRPr>
-          </a:p>
-        </p:txBody>
-      </p:sp>
-    </p:spTree>
-    <p:custDataLst>
-      <p:tags r:id="rId1"/>
-    </p:custDataLst>
-    <p:extLst>
-      <p:ext uri="{BB962C8B-B14F-4D97-AF65-F5344CB8AC3E}">
-        <p14:creationId xmlns:p14="http://schemas.microsoft.com/office/powerpoint/2010/main" val="1194338124"/>
-      </p:ext>
-    </p:extLst>
-  </p:cSld>
-  <p:clrMapOvr>
-    <a:masterClrMapping/>
-  </p:clrMapOvr>
-</p:sld>
-</file>
-
-<file path=ppt/slides/slide14.xml><?xml version="1.0" encoding="utf-8"?>
 <p:sld xmlns:a="http://schemas.openxmlformats.org/drawingml/2006/main" xmlns:r="http://schemas.openxmlformats.org/officeDocument/2006/relationships" xmlns:p="http://schemas.openxmlformats.org/presentationml/2006/main">
   <p:cSld>
     <p:spTree>
@@ -9513,8 +8346,20 @@
               <a:buNone/>
             </a:pPr>
             <a:r>
+              <a:rPr lang="es-MX" sz="4400" dirty="0" err="1"/>
+              <a:t>My</a:t>
+            </a:r>
+            <a:r>
               <a:rPr lang="es-MX" sz="4400" dirty="0"/>
-              <a:t>Reconocimiento de Medicamentos con IA</a:t>
+              <a:t> </a:t>
+            </a:r>
+            <a:r>
+              <a:rPr lang="es-MX" sz="4400" dirty="0" err="1"/>
+              <a:t>Meds</a:t>
+            </a:r>
+            <a:r>
+              <a:rPr lang="es-MX" sz="4400" dirty="0"/>
+              <a:t> App</a:t>
             </a:r>
           </a:p>
         </p:txBody>
@@ -9556,6 +8401,35 @@
           </a:p>
         </p:txBody>
       </p:sp>
+      <p:pic>
+        <p:nvPicPr>
+          <p:cNvPr id="3" name="Imagen 2">
+            <a:extLst>
+              <a:ext uri="{FF2B5EF4-FFF2-40B4-BE49-F238E27FC236}">
+                <a16:creationId xmlns:a16="http://schemas.microsoft.com/office/drawing/2014/main" id="{DCF8DB7C-2CAB-1831-5FC8-5B496A01C0CF}"/>
+              </a:ext>
+            </a:extLst>
+          </p:cNvPr>
+          <p:cNvPicPr>
+            <a:picLocks noChangeAspect="1"/>
+          </p:cNvPicPr>
+          <p:nvPr/>
+        </p:nvPicPr>
+        <p:blipFill rotWithShape="1">
+          <a:blip r:embed="rId4"/>
+          <a:srcRect l="28299" t="11744" r="25507" b="20727"/>
+          <a:stretch/>
+        </p:blipFill>
+        <p:spPr>
+          <a:xfrm>
+            <a:off x="4631962" y="1962648"/>
+            <a:ext cx="884420" cy="1034321"/>
+          </a:xfrm>
+          <a:prstGeom prst="rect">
+            <a:avLst/>
+          </a:prstGeom>
+        </p:spPr>
+      </p:pic>
     </p:spTree>
     <p:custDataLst>
       <p:tags r:id="rId1"/>
@@ -9610,7 +8484,7 @@
           <a:lstStyle/>
           <a:p>
             <a:r>
-              <a:rPr lang="es-MX" sz="2800">
+              <a:rPr lang="es-MX" sz="2800" dirty="0">
                 <a:solidFill>
                   <a:schemeClr val="bg1"/>
                 </a:solidFill>
@@ -9619,11 +8493,11 @@
             </a:r>
           </a:p>
           <a:p>
-            <a:endParaRPr lang="es-MX" sz="4400"/>
+            <a:endParaRPr lang="es-MX" sz="4400" dirty="0"/>
           </a:p>
           <a:p>
             <a:r>
-              <a:rPr lang="es-MX" sz="2800" err="1">
+              <a:rPr lang="es-MX" sz="2800" dirty="0" err="1">
                 <a:solidFill>
                   <a:schemeClr val="lt1"/>
                 </a:solidFill>
@@ -9631,7 +8505,7 @@
               <a:t>ción</a:t>
             </a:r>
             <a:r>
-              <a:rPr lang="es-MX" sz="2800">
+              <a:rPr lang="es-MX" sz="2800" dirty="0">
                 <a:solidFill>
                   <a:schemeClr val="lt1"/>
                 </a:solidFill>
@@ -9651,14 +8525,14 @@
               <a:t> </a:t>
             </a:r>
             <a:r>
-              <a:rPr lang="es-MX" sz="2800">
+              <a:rPr lang="es-MX" sz="2800" dirty="0">
                 <a:solidFill>
                   <a:schemeClr val="lt1"/>
                 </a:solidFill>
               </a:rPr>
               <a:t>las criptomonedas en el mercado</a:t>
             </a:r>
-            <a:endParaRPr lang="es-ES">
+            <a:endParaRPr lang="es-ES" dirty="0">
               <a:solidFill>
                 <a:schemeClr val="lt1"/>
               </a:solidFill>
@@ -9715,22 +8589,22 @@
                 <a:buNone/>
               </a:pPr>
               <a:r>
-                <a:rPr lang="en-US" sz="1800" dirty="0">
+                <a:rPr lang="en-US" sz="1800" b="1" dirty="0">
                   <a:solidFill>
                     <a:srgbClr val="3F3F3F"/>
                   </a:solidFill>
                 </a:rPr>
-                <a:t> 1.</a:t>
+                <a:t> </a:t>
               </a:r>
               <a:r>
-                <a:rPr lang="es-MX" sz="1800" dirty="0">
+                <a:rPr lang="es-MX" sz="1800" b="1" dirty="0">
                   <a:solidFill>
                     <a:srgbClr val="3F3F3F"/>
                   </a:solidFill>
                 </a:rPr>
                 <a:t>	Nombre y función de los miembros del equipo</a:t>
               </a:r>
-              <a:endParaRPr lang="en-US" dirty="0"/>
+              <a:endParaRPr lang="en-US" b="1" dirty="0"/>
             </a:p>
           </p:txBody>
         </p:sp>
@@ -9836,14 +8710,14 @@
           <p:nvPr>
             <p:extLst>
               <p:ext uri="{D42A27DB-BD31-4B8C-83A1-F6EECF244321}">
-                <p14:modId xmlns:p14="http://schemas.microsoft.com/office/powerpoint/2010/main" val="1837528686"/>
+                <p14:modId xmlns:p14="http://schemas.microsoft.com/office/powerpoint/2010/main" val="170429687"/>
               </p:ext>
             </p:extLst>
           </p:nvPr>
         </p:nvGraphicFramePr>
         <p:xfrm>
-          <a:off x="1427205" y="2270457"/>
-          <a:ext cx="6967329" cy="3030242"/>
+          <a:off x="1171591" y="2378179"/>
+          <a:ext cx="7312061" cy="2976100"/>
         </p:xfrm>
         <a:graphic>
           <a:graphicData uri="http://schemas.openxmlformats.org/drawingml/2006/table">
@@ -9852,14 +8726,14 @@
                 <a:tableStyleId>{5C22544A-7EE6-4342-B048-85BDC9FD1C3A}</a:tableStyleId>
               </a:tblPr>
               <a:tblGrid>
-                <a:gridCol w="2647585">
+                <a:gridCol w="2778583">
                   <a:extLst>
                     <a:ext uri="{9D8B030D-6E8A-4147-A177-3AD203B41FA5}">
                       <a16:colId xmlns:a16="http://schemas.microsoft.com/office/drawing/2014/main" val="2042568370"/>
                     </a:ext>
                   </a:extLst>
                 </a:gridCol>
-                <a:gridCol w="4319744">
+                <a:gridCol w="4533478">
                   <a:extLst>
                     <a:ext uri="{9D8B030D-6E8A-4147-A177-3AD203B41FA5}">
                       <a16:colId xmlns:a16="http://schemas.microsoft.com/office/drawing/2014/main" val="3240171767"/>
@@ -9867,7 +8741,7 @@
                   </a:extLst>
                 </a:gridCol>
               </a:tblGrid>
-              <a:tr h="753750">
+              <a:tr h="911470">
                 <a:tc>
                   <a:txBody>
                     <a:bodyPr/>
@@ -9974,7 +8848,7 @@
                   </a:ext>
                 </a:extLst>
               </a:tr>
-              <a:tr h="569123">
+              <a:tr h="688210">
                 <a:tc>
                   <a:txBody>
                     <a:bodyPr/>
@@ -10051,7 +8925,7 @@
                   </a:ext>
                 </a:extLst>
               </a:tr>
-              <a:tr h="569123">
+              <a:tr h="688210">
                 <a:tc>
                   <a:txBody>
                     <a:bodyPr/>
@@ -10126,7 +9000,7 @@
                   </a:ext>
                 </a:extLst>
               </a:tr>
-              <a:tr h="569123">
+              <a:tr h="688210">
                 <a:tc>
                   <a:txBody>
                     <a:bodyPr/>
@@ -10201,81 +9075,6 @@
                   </a:ext>
                 </a:extLst>
               </a:tr>
-              <a:tr h="569123">
-                <a:tc>
-                  <a:txBody>
-                    <a:bodyPr/>
-                    <a:lstStyle/>
-                    <a:p>
-                      <a:pPr algn="ctr">
-                        <a:lnSpc>
-                          <a:spcPct val="115000"/>
-                        </a:lnSpc>
-                        <a:spcBef>
-                          <a:spcPts val="1200"/>
-                        </a:spcBef>
-                        <a:spcAft>
-                          <a:spcPts val="1200"/>
-                        </a:spcAft>
-                      </a:pPr>
-                      <a:r>
-                        <a:rPr lang="es-MX" sz="1100" dirty="0">
-                          <a:effectLst/>
-                        </a:rPr>
-                        <a:t>Jean Chong</a:t>
-                      </a:r>
-                      <a:r>
-                        <a:rPr lang="es-PA" sz="1100" dirty="0">
-                          <a:effectLst/>
-                        </a:rPr>
-                        <a:t> </a:t>
-                      </a:r>
-                      <a:endParaRPr lang="es-PA" sz="1100" dirty="0">
-                        <a:effectLst/>
-                        <a:latin typeface="Arial" panose="020B0604020202020204" pitchFamily="34" charset="0"/>
-                        <a:ea typeface="Arial" panose="020B0604020202020204" pitchFamily="34" charset="0"/>
-                      </a:endParaRPr>
-                    </a:p>
-                  </a:txBody>
-                  <a:tcPr marL="63500" marR="63500" marT="63500" marB="63500"/>
-                </a:tc>
-                <a:tc>
-                  <a:txBody>
-                    <a:bodyPr/>
-                    <a:lstStyle/>
-                    <a:p>
-                      <a:pPr algn="ctr">
-                        <a:lnSpc>
-                          <a:spcPct val="115000"/>
-                        </a:lnSpc>
-                        <a:spcBef>
-                          <a:spcPts val="1200"/>
-                        </a:spcBef>
-                        <a:spcAft>
-                          <a:spcPts val="1200"/>
-                        </a:spcAft>
-                      </a:pPr>
-                      <a:r>
-                        <a:rPr lang="es-MX" sz="1100" dirty="0">
-                          <a:effectLst/>
-                        </a:rPr>
-                        <a:t>Investigador</a:t>
-                      </a:r>
-                      <a:endParaRPr lang="es-PA" sz="1100" dirty="0">
-                        <a:effectLst/>
-                        <a:latin typeface="Arial" panose="020B0604020202020204" pitchFamily="34" charset="0"/>
-                        <a:ea typeface="Arial" panose="020B0604020202020204" pitchFamily="34" charset="0"/>
-                      </a:endParaRPr>
-                    </a:p>
-                  </a:txBody>
-                  <a:tcPr marL="63500" marR="63500" marT="63500" marB="63500"/>
-                </a:tc>
-                <a:extLst>
-                  <a:ext uri="{0D108BD9-81ED-4DB2-BD59-A6C34878D82A}">
-                    <a16:rowId xmlns:a16="http://schemas.microsoft.com/office/drawing/2014/main" val="1623728526"/>
-                  </a:ext>
-                </a:extLst>
-              </a:tr>
             </a:tbl>
           </a:graphicData>
         </a:graphic>
@@ -10397,10 +9196,10 @@
         </p:nvGrpSpPr>
         <p:grpSpPr>
           <a:xfrm>
-            <a:off x="618248" y="1706216"/>
-            <a:ext cx="8037689" cy="632207"/>
-            <a:chOff x="4181256" y="3224809"/>
-            <a:chExt cx="8037689" cy="632207"/>
+            <a:off x="644303" y="1387533"/>
+            <a:ext cx="8011634" cy="1046532"/>
+            <a:chOff x="4207311" y="2810484"/>
+            <a:chExt cx="8011634" cy="1046532"/>
           </a:xfrm>
         </p:grpSpPr>
         <p:sp>
@@ -10428,721 +9227,16 @@
             </a:bodyPr>
             <a:lstStyle/>
             <a:p>
+              <a:pPr algn="just"/>
               <a:r>
-                <a:rPr lang="en-US" sz="1800">
+                <a:rPr lang="es-MX" sz="1800" b="1" dirty="0">
                   <a:solidFill>
                     <a:srgbClr val="3F3F3F"/>
                   </a:solidFill>
                 </a:rPr>
-                <a:t> </a:t>
+                <a:t>Planteamiento</a:t>
               </a:r>
-              <a:r>
-                <a:rPr lang="es-MX" sz="1800">
-                  <a:solidFill>
-                    <a:srgbClr val="3F3F3F"/>
-                  </a:solidFill>
-                </a:rPr>
-                <a:t>	Descripción del proyecto</a:t>
-              </a:r>
-              <a:endParaRPr lang="en-US"/>
-            </a:p>
-          </p:txBody>
-        </p:sp>
-        <p:sp>
-          <p:nvSpPr>
-            <p:cNvPr id="71" name="Google Shape;71;p3"/>
-            <p:cNvSpPr/>
-            <p:nvPr/>
-          </p:nvSpPr>
-          <p:spPr>
-            <a:xfrm>
-              <a:off x="4181256" y="3224809"/>
-              <a:ext cx="36000" cy="252000"/>
-            </a:xfrm>
-            <a:prstGeom prst="rect">
-              <a:avLst/>
-            </a:prstGeom>
-            <a:solidFill>
-              <a:srgbClr val="193EB0"/>
-            </a:solidFill>
-            <a:ln>
-              <a:noFill/>
-            </a:ln>
-          </p:spPr>
-          <p:txBody>
-            <a:bodyPr spcFirstLastPara="1" wrap="square" lIns="91425" tIns="45700" rIns="91425" bIns="45700" anchor="ctr" anchorCtr="0">
-              <a:noAutofit/>
-            </a:bodyPr>
-            <a:lstStyle/>
-            <a:p>
-              <a:pPr marL="0" marR="0" lvl="0" indent="0" algn="ctr" rtl="0">
-                <a:spcBef>
-                  <a:spcPts val="0"/>
-                </a:spcBef>
-                <a:spcAft>
-                  <a:spcPts val="0"/>
-                </a:spcAft>
-                <a:buNone/>
-              </a:pPr>
-              <a:endParaRPr sz="2800">
-                <a:solidFill>
-                  <a:schemeClr val="lt1"/>
-                </a:solidFill>
-                <a:latin typeface="Calibri"/>
-                <a:ea typeface="Calibri"/>
-                <a:cs typeface="Calibri"/>
-                <a:sym typeface="Calibri"/>
-              </a:endParaRPr>
-            </a:p>
-          </p:txBody>
-        </p:sp>
-        <p:sp>
-          <p:nvSpPr>
-            <p:cNvPr id="72" name="Google Shape;72;p3"/>
-            <p:cNvSpPr/>
-            <p:nvPr/>
-          </p:nvSpPr>
-          <p:spPr>
-            <a:xfrm>
-              <a:off x="5160752" y="3641572"/>
-              <a:ext cx="3400417" cy="215444"/>
-            </a:xfrm>
-            <a:prstGeom prst="rect">
-              <a:avLst/>
-            </a:prstGeom>
-            <a:noFill/>
-            <a:ln>
-              <a:noFill/>
-            </a:ln>
-          </p:spPr>
-          <p:txBody>
-            <a:bodyPr spcFirstLastPara="1" wrap="square" lIns="0" tIns="0" rIns="0" bIns="0" anchor="t" anchorCtr="0">
-              <a:spAutoFit/>
-            </a:bodyPr>
-            <a:lstStyle/>
-            <a:p>
-              <a:pPr marL="0" marR="0" lvl="0" indent="0" algn="l" rtl="0">
-                <a:spcBef>
-                  <a:spcPts val="0"/>
-                </a:spcBef>
-                <a:spcAft>
-                  <a:spcPts val="0"/>
-                </a:spcAft>
-                <a:buNone/>
-              </a:pPr>
-              <a:endParaRPr/>
-            </a:p>
-          </p:txBody>
-        </p:sp>
-      </p:grpSp>
-      <p:sp>
-        <p:nvSpPr>
-          <p:cNvPr id="76" name="Google Shape;76;p3"/>
-          <p:cNvSpPr/>
-          <p:nvPr/>
-        </p:nvSpPr>
-        <p:spPr>
-          <a:xfrm>
-            <a:off x="1951869" y="2172472"/>
-            <a:ext cx="5996724" cy="1938992"/>
-          </a:xfrm>
-          <a:prstGeom prst="rect">
-            <a:avLst/>
-          </a:prstGeom>
-          <a:noFill/>
-          <a:ln>
-            <a:noFill/>
-          </a:ln>
-        </p:spPr>
-        <p:txBody>
-          <a:bodyPr spcFirstLastPara="1" wrap="square" lIns="0" tIns="0" rIns="0" bIns="0" anchor="t" anchorCtr="0">
-            <a:spAutoFit/>
-          </a:bodyPr>
-          <a:lstStyle/>
-          <a:p>
-            <a:pPr algn="just"/>
-            <a:r>
-              <a:rPr lang="es-MX">
-                <a:solidFill>
-                  <a:schemeClr val="bg2"/>
-                </a:solidFill>
-              </a:rPr>
-              <a:t>El proyecto consiste en una aplicación de reconocimiento de medicamentos mediante el uso de un modelo de detección de objetos entrenado con YOLOv5. La aplicación permitirá a los usuarios tomar una foto del medicamento con su cámara, y luego la imagen será procesada por un modelo de inteligencia artificial que identificará el medicamento. Una vez identificado, la aplicación proporcionará información detallada sobre el medicamento, incluyendo su función, usos recomendados, posibles efectos secundarios y si requiere receta médica.</a:t>
-            </a:r>
-            <a:endParaRPr lang="es-ES">
-              <a:solidFill>
-                <a:schemeClr val="bg2"/>
-              </a:solidFill>
-            </a:endParaRPr>
-          </a:p>
-          <a:p>
-            <a:pPr algn="just"/>
-            <a:endParaRPr lang="es-MX">
-              <a:solidFill>
-                <a:schemeClr val="bg2"/>
-              </a:solidFill>
-            </a:endParaRPr>
-          </a:p>
-        </p:txBody>
-      </p:sp>
-      <p:pic>
-        <p:nvPicPr>
-          <p:cNvPr id="2" name="Imagen 1" descr="Imagen que contiene Texto&#10;&#10;Descripción generada automáticamente">
-            <a:extLst>
-              <a:ext uri="{FF2B5EF4-FFF2-40B4-BE49-F238E27FC236}">
-                <a16:creationId xmlns:a16="http://schemas.microsoft.com/office/drawing/2014/main" id="{352E1E72-529F-3C2F-27FB-95836F6C6A66}"/>
-              </a:ext>
-            </a:extLst>
-          </p:cNvPr>
-          <p:cNvPicPr>
-            <a:picLocks noChangeAspect="1"/>
-          </p:cNvPicPr>
-          <p:nvPr/>
-        </p:nvPicPr>
-        <p:blipFill rotWithShape="1">
-          <a:blip r:embed="rId4"/>
-          <a:srcRect l="6091" r="8883" b="9365"/>
-          <a:stretch/>
-        </p:blipFill>
-        <p:spPr>
-          <a:xfrm>
-            <a:off x="839892" y="3958911"/>
-            <a:ext cx="2853694" cy="2300921"/>
-          </a:xfrm>
-          <a:prstGeom prst="rect">
-            <a:avLst/>
-          </a:prstGeom>
-        </p:spPr>
-      </p:pic>
-      <p:pic>
-        <p:nvPicPr>
-          <p:cNvPr id="4" name="Imagen 3" descr="Imagen que contiene Calendario&#10;&#10;Descripción generada automáticamente">
-            <a:extLst>
-              <a:ext uri="{FF2B5EF4-FFF2-40B4-BE49-F238E27FC236}">
-                <a16:creationId xmlns:a16="http://schemas.microsoft.com/office/drawing/2014/main" id="{E9055C3B-BB3A-87A3-2651-AEBE95D3EFF3}"/>
-              </a:ext>
-            </a:extLst>
-          </p:cNvPr>
-          <p:cNvPicPr>
-            <a:picLocks noChangeAspect="1"/>
-          </p:cNvPicPr>
-          <p:nvPr/>
-        </p:nvPicPr>
-        <p:blipFill rotWithShape="1">
-          <a:blip r:embed="rId5"/>
-          <a:srcRect l="-60" r="2482" b="6383"/>
-          <a:stretch/>
-        </p:blipFill>
-        <p:spPr>
-          <a:xfrm>
-            <a:off x="5799333" y="3675674"/>
-            <a:ext cx="2850452" cy="2730190"/>
-          </a:xfrm>
-          <a:prstGeom prst="rect">
-            <a:avLst/>
-          </a:prstGeom>
-        </p:spPr>
-      </p:pic>
-    </p:spTree>
-    <p:custDataLst>
-      <p:tags r:id="rId1"/>
-    </p:custDataLst>
-  </p:cSld>
-  <p:clrMapOvr>
-    <a:masterClrMapping/>
-  </p:clrMapOvr>
-</p:sld>
-</file>
-
-<file path=ppt/slides/slide5.xml><?xml version="1.0" encoding="utf-8"?>
-<p:sld xmlns:a="http://schemas.openxmlformats.org/drawingml/2006/main" xmlns:r="http://schemas.openxmlformats.org/officeDocument/2006/relationships" xmlns:p="http://schemas.openxmlformats.org/presentationml/2006/main">
-  <p:cSld>
-    <p:spTree>
-      <p:nvGrpSpPr>
-        <p:cNvPr id="1" name=""/>
-        <p:cNvGrpSpPr/>
-        <p:nvPr/>
-      </p:nvGrpSpPr>
-      <p:grpSpPr>
-        <a:xfrm>
-          <a:off x="0" y="0"/>
-          <a:ext cx="0" cy="0"/>
-          <a:chOff x="0" y="0"/>
-          <a:chExt cx="0" cy="0"/>
-        </a:xfrm>
-      </p:grpSpPr>
-      <p:sp>
-        <p:nvSpPr>
-          <p:cNvPr id="3" name="Google Shape;68;p3">
-            <a:extLst>
-              <a:ext uri="{FF2B5EF4-FFF2-40B4-BE49-F238E27FC236}">
-                <a16:creationId xmlns:a16="http://schemas.microsoft.com/office/drawing/2014/main" id="{1417F093-CA3C-F781-8FFF-8D079E27609A}"/>
-              </a:ext>
-            </a:extLst>
-          </p:cNvPr>
-          <p:cNvSpPr/>
-          <p:nvPr/>
-        </p:nvSpPr>
-        <p:spPr>
-          <a:xfrm>
-            <a:off x="528795" y="372009"/>
-            <a:ext cx="9374030" cy="861774"/>
-          </a:xfrm>
-          <a:prstGeom prst="rect">
-            <a:avLst/>
-          </a:prstGeom>
-          <a:noFill/>
-          <a:ln>
-            <a:noFill/>
-          </a:ln>
-        </p:spPr>
-        <p:txBody>
-          <a:bodyPr spcFirstLastPara="1" wrap="square" lIns="0" tIns="0" rIns="0" bIns="0" anchor="t" anchorCtr="0">
-            <a:spAutoFit/>
-          </a:bodyPr>
-          <a:lstStyle/>
-          <a:p>
-            <a:r>
-              <a:rPr lang="es-MX" sz="2800">
-                <a:solidFill>
-                  <a:schemeClr val="bg1"/>
-                </a:solidFill>
-              </a:rPr>
-              <a:t>Reconocimiento </a:t>
-            </a:r>
-            <a:r>
-              <a:rPr lang="es-MX" sz="2800">
-                <a:solidFill>
-                  <a:schemeClr val="bg1"/>
-                </a:solidFill>
-                <a:latin typeface="Arial"/>
-                <a:ea typeface="Arial"/>
-                <a:cs typeface="Arial"/>
-                <a:sym typeface="Arial"/>
-              </a:rPr>
-              <a:t>de </a:t>
-            </a:r>
-            <a:r>
-              <a:rPr lang="es-MX" sz="2800">
-                <a:solidFill>
-                  <a:schemeClr val="bg1"/>
-                </a:solidFill>
-              </a:rPr>
-              <a:t>Medicamentos con IA</a:t>
-            </a:r>
-            <a:endParaRPr lang="es-MX" sz="2800"/>
-          </a:p>
-          <a:p>
-            <a:pPr marL="0" marR="0" lvl="0" indent="0" algn="l">
-              <a:spcBef>
-                <a:spcPts val="0"/>
-              </a:spcBef>
-              <a:spcAft>
-                <a:spcPts val="0"/>
-              </a:spcAft>
-              <a:buNone/>
-            </a:pPr>
-            <a:endParaRPr lang="es-MX" sz="2800">
-              <a:solidFill>
-                <a:schemeClr val="lt1"/>
-              </a:solidFill>
-              <a:latin typeface="Arial"/>
-              <a:ea typeface="Arial"/>
-              <a:cs typeface="Arial"/>
-            </a:endParaRPr>
-          </a:p>
-        </p:txBody>
-      </p:sp>
-      <p:sp>
-        <p:nvSpPr>
-          <p:cNvPr id="5" name="Google Shape;76;p3">
-            <a:extLst>
-              <a:ext uri="{FF2B5EF4-FFF2-40B4-BE49-F238E27FC236}">
-                <a16:creationId xmlns:a16="http://schemas.microsoft.com/office/drawing/2014/main" id="{6BEDD245-A3E1-800C-9588-2B8B7F6E1F65}"/>
-              </a:ext>
-            </a:extLst>
-          </p:cNvPr>
-          <p:cNvSpPr/>
-          <p:nvPr/>
-        </p:nvSpPr>
-        <p:spPr>
-          <a:xfrm>
-            <a:off x="1951869" y="2566404"/>
-            <a:ext cx="5996724" cy="1723549"/>
-          </a:xfrm>
-          <a:prstGeom prst="rect">
-            <a:avLst/>
-          </a:prstGeom>
-          <a:noFill/>
-          <a:ln>
-            <a:noFill/>
-          </a:ln>
-        </p:spPr>
-        <p:txBody>
-          <a:bodyPr spcFirstLastPara="1" wrap="square" lIns="0" tIns="0" rIns="0" bIns="0" anchor="t" anchorCtr="0">
-            <a:spAutoFit/>
-          </a:bodyPr>
-          <a:lstStyle/>
-          <a:p>
-            <a:pPr algn="just"/>
-            <a:r>
-              <a:rPr lang="es-MX" b="1">
-                <a:solidFill>
-                  <a:schemeClr val="bg2"/>
-                </a:solidFill>
-              </a:rPr>
-              <a:t>Social:</a:t>
-            </a:r>
-            <a:r>
-              <a:rPr lang="es-MX">
-                <a:solidFill>
-                  <a:schemeClr val="bg2"/>
-                </a:solidFill>
-              </a:rPr>
-              <a:t> Mejora la educación y conciencia sobre el uso adecuado de medicamentos, reduciendo riesgos para la salud y promoviendo prácticas más seguras adema de información más asequible.</a:t>
-            </a:r>
-            <a:endParaRPr lang="es-ES">
-              <a:solidFill>
-                <a:schemeClr val="bg2"/>
-              </a:solidFill>
-            </a:endParaRPr>
-          </a:p>
-          <a:p>
-            <a:pPr algn="just"/>
-            <a:endParaRPr lang="es-MX">
-              <a:solidFill>
-                <a:schemeClr val="bg2"/>
-              </a:solidFill>
-            </a:endParaRPr>
-          </a:p>
-          <a:p>
-            <a:pPr algn="just"/>
-            <a:r>
-              <a:rPr lang="es-MX" b="1">
-                <a:solidFill>
-                  <a:schemeClr val="bg2"/>
-                </a:solidFill>
-              </a:rPr>
-              <a:t>Salud Pública:</a:t>
-            </a:r>
-            <a:r>
-              <a:rPr lang="es-MX">
-                <a:solidFill>
-                  <a:schemeClr val="bg2"/>
-                </a:solidFill>
-              </a:rPr>
-              <a:t> Contribuye a la reducción de la automedicación irresponsable al proporcionar información detallada sobre medicamentos, sus usos y riesgos asociados.</a:t>
-            </a:r>
-          </a:p>
-          <a:p>
-            <a:pPr algn="just"/>
-            <a:endParaRPr lang="es-MX">
-              <a:solidFill>
-                <a:schemeClr val="bg2"/>
-              </a:solidFill>
-            </a:endParaRPr>
-          </a:p>
-        </p:txBody>
-      </p:sp>
-      <p:sp>
-        <p:nvSpPr>
-          <p:cNvPr id="7" name="Google Shape;70;p3">
-            <a:extLst>
-              <a:ext uri="{FF2B5EF4-FFF2-40B4-BE49-F238E27FC236}">
-                <a16:creationId xmlns:a16="http://schemas.microsoft.com/office/drawing/2014/main" id="{52B7ADF9-4F0B-40BF-4A39-F43CD0394C12}"/>
-              </a:ext>
-            </a:extLst>
-          </p:cNvPr>
-          <p:cNvSpPr/>
-          <p:nvPr/>
-        </p:nvSpPr>
-        <p:spPr>
-          <a:xfrm>
-            <a:off x="711675" y="1608646"/>
-            <a:ext cx="7854809" cy="553998"/>
-          </a:xfrm>
-          <a:prstGeom prst="rect">
-            <a:avLst/>
-          </a:prstGeom>
-          <a:noFill/>
-          <a:ln>
-            <a:noFill/>
-          </a:ln>
-        </p:spPr>
-        <p:txBody>
-          <a:bodyPr spcFirstLastPara="1" wrap="square" lIns="0" tIns="0" rIns="0" bIns="0" anchor="ctr" anchorCtr="0">
-            <a:spAutoFit/>
-          </a:bodyPr>
-          <a:lstStyle/>
-          <a:p>
-            <a:pPr algn="just"/>
-            <a:r>
-              <a:rPr lang="en-US" sz="1800">
-                <a:solidFill>
-                  <a:srgbClr val="3F3F3F"/>
-                </a:solidFill>
-              </a:rPr>
-              <a:t> 1. </a:t>
-            </a:r>
-            <a:r>
-              <a:rPr lang="es-MX" sz="1800">
-                <a:solidFill>
-                  <a:srgbClr val="3F3F3F"/>
-                </a:solidFill>
-              </a:rPr>
-              <a:t>¿Qué valor social genera su idea (medioambiental, social, financiero, etc.)?</a:t>
-            </a:r>
-            <a:endParaRPr lang="en-US"/>
-          </a:p>
-        </p:txBody>
-      </p:sp>
-      <p:pic>
-        <p:nvPicPr>
-          <p:cNvPr id="4" name="Imagen 3" descr="Cruz verde farmacia: Más de 39,579 vectores de stock y arte vectorial con  licencia libres de regalías | Shutterstock">
-            <a:extLst>
-              <a:ext uri="{FF2B5EF4-FFF2-40B4-BE49-F238E27FC236}">
-                <a16:creationId xmlns:a16="http://schemas.microsoft.com/office/drawing/2014/main" id="{6836899D-8054-D0E3-C1CC-B7A3E93EFCEC}"/>
-              </a:ext>
-            </a:extLst>
-          </p:cNvPr>
-          <p:cNvPicPr>
-            <a:picLocks noChangeAspect="1"/>
-          </p:cNvPicPr>
-          <p:nvPr/>
-        </p:nvPicPr>
-        <p:blipFill rotWithShape="1">
-          <a:blip r:embed="rId2"/>
-          <a:srcRect l="4827" t="4500" r="5025" b="500"/>
-          <a:stretch/>
-        </p:blipFill>
-        <p:spPr>
-          <a:xfrm>
-            <a:off x="808893" y="4206630"/>
-            <a:ext cx="1759109" cy="1854299"/>
-          </a:xfrm>
-          <a:prstGeom prst="rect">
-            <a:avLst/>
-          </a:prstGeom>
-        </p:spPr>
-      </p:pic>
-      <p:pic>
-        <p:nvPicPr>
-          <p:cNvPr id="6" name="Imagen 5" descr="Servicio social Archives |">
-            <a:extLst>
-              <a:ext uri="{FF2B5EF4-FFF2-40B4-BE49-F238E27FC236}">
-                <a16:creationId xmlns:a16="http://schemas.microsoft.com/office/drawing/2014/main" id="{1446B088-A913-577B-3493-9273A665D044}"/>
-              </a:ext>
-            </a:extLst>
-          </p:cNvPr>
-          <p:cNvPicPr>
-            <a:picLocks noChangeAspect="1"/>
-          </p:cNvPicPr>
-          <p:nvPr/>
-        </p:nvPicPr>
-        <p:blipFill>
-          <a:blip r:embed="rId3"/>
-          <a:stretch>
-            <a:fillRect/>
-          </a:stretch>
-        </p:blipFill>
-        <p:spPr>
-          <a:xfrm>
-            <a:off x="5945541" y="4282831"/>
-            <a:ext cx="2743200" cy="1828800"/>
-          </a:xfrm>
-          <a:prstGeom prst="roundRect">
-            <a:avLst>
-              <a:gd name="adj" fmla="val 4167"/>
-            </a:avLst>
-          </a:prstGeom>
-          <a:solidFill>
-            <a:srgbClr val="FFFFFF"/>
-          </a:solidFill>
-          <a:ln w="76200" cap="sq">
-            <a:solidFill>
-              <a:srgbClr val="292929"/>
-            </a:solidFill>
-            <a:miter lim="800000"/>
-          </a:ln>
-          <a:effectLst>
-            <a:reflection blurRad="12700" stA="28000" endPos="28000" dist="5000" dir="5400000" sy="-100000" algn="bl" rotWithShape="0"/>
-          </a:effectLst>
-          <a:scene3d>
-            <a:camera prst="orthographicFront"/>
-            <a:lightRig rig="threePt" dir="t">
-              <a:rot lat="0" lon="0" rev="2700000"/>
-            </a:lightRig>
-          </a:scene3d>
-          <a:sp3d>
-            <a:bevelT h="38100"/>
-            <a:contourClr>
-              <a:srgbClr val="C0C0C0"/>
-            </a:contourClr>
-          </a:sp3d>
-        </p:spPr>
-      </p:pic>
-    </p:spTree>
-    <p:extLst>
-      <p:ext uri="{BB962C8B-B14F-4D97-AF65-F5344CB8AC3E}">
-        <p14:creationId xmlns:p14="http://schemas.microsoft.com/office/powerpoint/2010/main" val="2087184102"/>
-      </p:ext>
-    </p:extLst>
-  </p:cSld>
-  <p:clrMapOvr>
-    <a:masterClrMapping/>
-  </p:clrMapOvr>
-</p:sld>
-</file>
-
-<file path=ppt/slides/slide6.xml><?xml version="1.0" encoding="utf-8"?>
-<p:sld xmlns:a="http://schemas.openxmlformats.org/drawingml/2006/main" xmlns:r="http://schemas.openxmlformats.org/officeDocument/2006/relationships" xmlns:p="http://schemas.openxmlformats.org/presentationml/2006/main">
-  <p:cSld>
-    <p:spTree>
-      <p:nvGrpSpPr>
-        <p:cNvPr id="1" name="Shape 67"/>
-        <p:cNvGrpSpPr/>
-        <p:nvPr/>
-      </p:nvGrpSpPr>
-      <p:grpSpPr>
-        <a:xfrm>
-          <a:off x="0" y="0"/>
-          <a:ext cx="0" cy="0"/>
-          <a:chOff x="0" y="0"/>
-          <a:chExt cx="0" cy="0"/>
-        </a:xfrm>
-      </p:grpSpPr>
-      <p:sp>
-        <p:nvSpPr>
-          <p:cNvPr id="68" name="Google Shape;68;p3"/>
-          <p:cNvSpPr/>
-          <p:nvPr/>
-        </p:nvSpPr>
-        <p:spPr>
-          <a:xfrm>
-            <a:off x="528795" y="372009"/>
-            <a:ext cx="9374030" cy="861774"/>
-          </a:xfrm>
-          <a:prstGeom prst="rect">
-            <a:avLst/>
-          </a:prstGeom>
-          <a:noFill/>
-          <a:ln>
-            <a:noFill/>
-          </a:ln>
-        </p:spPr>
-        <p:txBody>
-          <a:bodyPr spcFirstLastPara="1" wrap="square" lIns="0" tIns="0" rIns="0" bIns="0" anchor="t" anchorCtr="0">
-            <a:spAutoFit/>
-          </a:bodyPr>
-          <a:lstStyle/>
-          <a:p>
-            <a:r>
-              <a:rPr lang="es-MX" sz="2800">
-                <a:solidFill>
-                  <a:schemeClr val="bg1"/>
-                </a:solidFill>
-              </a:rPr>
-              <a:t>Reconocimiento </a:t>
-            </a:r>
-            <a:r>
-              <a:rPr lang="es-MX" sz="2800">
-                <a:solidFill>
-                  <a:schemeClr val="bg1"/>
-                </a:solidFill>
-                <a:latin typeface="Arial"/>
-                <a:ea typeface="Arial"/>
-                <a:cs typeface="Arial"/>
-                <a:sym typeface="Arial"/>
-              </a:rPr>
-              <a:t>de </a:t>
-            </a:r>
-            <a:r>
-              <a:rPr lang="es-MX" sz="2800">
-                <a:solidFill>
-                  <a:schemeClr val="bg1"/>
-                </a:solidFill>
-              </a:rPr>
-              <a:t>Medicamentos con IA</a:t>
-            </a:r>
-            <a:endParaRPr lang="es-MX" sz="2800"/>
-          </a:p>
-          <a:p>
-            <a:pPr marL="0" marR="0" lvl="0" indent="0" algn="l">
-              <a:spcBef>
-                <a:spcPts val="0"/>
-              </a:spcBef>
-              <a:spcAft>
-                <a:spcPts val="0"/>
-              </a:spcAft>
-              <a:buNone/>
-            </a:pPr>
-            <a:endParaRPr lang="es-MX" sz="2800">
-              <a:solidFill>
-                <a:schemeClr val="lt1"/>
-              </a:solidFill>
-              <a:latin typeface="Arial"/>
-              <a:ea typeface="Arial"/>
-              <a:cs typeface="Arial"/>
-            </a:endParaRPr>
-          </a:p>
-        </p:txBody>
-      </p:sp>
-      <p:grpSp>
-        <p:nvGrpSpPr>
-          <p:cNvPr id="69" name="Google Shape;69;p3"/>
-          <p:cNvGrpSpPr/>
-          <p:nvPr/>
-        </p:nvGrpSpPr>
-        <p:grpSpPr>
-          <a:xfrm>
-            <a:off x="644303" y="1291891"/>
-            <a:ext cx="8011634" cy="1107996"/>
-            <a:chOff x="4207311" y="2810484"/>
-            <a:chExt cx="8011634" cy="1107996"/>
-          </a:xfrm>
-        </p:grpSpPr>
-        <p:sp>
-          <p:nvSpPr>
-            <p:cNvPr id="70" name="Google Shape;70;p3"/>
-            <p:cNvSpPr/>
-            <p:nvPr/>
-          </p:nvSpPr>
-          <p:spPr>
-            <a:xfrm>
-              <a:off x="4364136" y="2810484"/>
-              <a:ext cx="7854809" cy="1107996"/>
-            </a:xfrm>
-            <a:prstGeom prst="rect">
-              <a:avLst/>
-            </a:prstGeom>
-            <a:noFill/>
-            <a:ln>
-              <a:noFill/>
-            </a:ln>
-          </p:spPr>
-          <p:txBody>
-            <a:bodyPr spcFirstLastPara="1" wrap="square" lIns="0" tIns="0" rIns="0" bIns="0" anchor="ctr" anchorCtr="0">
-              <a:spAutoFit/>
-            </a:bodyPr>
-            <a:lstStyle/>
-            <a:p>
-              <a:r>
-                <a:rPr lang="en-US" sz="1800">
-                  <a:solidFill>
-                    <a:srgbClr val="3F3F3F"/>
-                  </a:solidFill>
-                </a:rPr>
-                <a:t> 2.</a:t>
-              </a:r>
-              <a:r>
-                <a:rPr lang="es-MX" sz="1800">
-                  <a:solidFill>
-                    <a:srgbClr val="3F3F3F"/>
-                  </a:solidFill>
-                </a:rPr>
-                <a:t> 	¿Hay alguna consideración que deba tenerse en cuenta 		para la comunidad (¿cómo crees que le beneficiaría a la 		comunidad esta idea, afecta negativamente a alguna 			persona?)</a:t>
-              </a:r>
-              <a:endParaRPr lang="en-US"/>
+              <a:endParaRPr lang="en-US" b="1" dirty="0"/>
             </a:p>
           </p:txBody>
         </p:sp>
@@ -11284,8 +9378,8 @@
         </p:nvSpPr>
         <p:spPr>
           <a:xfrm>
-            <a:off x="642435" y="2620811"/>
-            <a:ext cx="8333254" cy="2462213"/>
+            <a:off x="768443" y="2122979"/>
+            <a:ext cx="8333254" cy="3662541"/>
           </a:xfrm>
           <a:prstGeom prst="rect">
             <a:avLst/>
@@ -11301,22 +9395,47 @@
           </a:bodyPr>
           <a:lstStyle/>
           <a:p>
-            <a:endParaRPr lang="es-ES"/>
+            <a:endParaRPr lang="es-ES" dirty="0"/>
           </a:p>
           <a:p>
             <a:r>
-              <a:rPr lang="es-ES"/>
+              <a:rPr lang="es-ES" dirty="0"/>
               <a:t>Debido a la gran cantidad de personas que se automedican en el mundo, este proyecto busca ayudar a informar de manera correcta a las personas sobre el medicamento que están tomando. Al proporcionar información sobre la función del medicamento, sus indicaciones, contraindicaciones y si necesita receta médica, se espera que los usuarios puedan tomar decisiones más informadas sobre su uso de medicamentos. Esto ayudará a reducir los riesgos asociados con la automedicación, promoviendo la seguridad y el bienestar de los usuarios.</a:t>
             </a:r>
           </a:p>
           <a:p>
-            <a:br>
-              <a:rPr lang="es-ES"/>
-            </a:br>
+            <a:endParaRPr lang="es-ES" dirty="0"/>
+          </a:p>
+          <a:p>
             <a:r>
-              <a:rPr lang="es-ES"/>
-              <a:t>Los usuarios podrían llegar a depender demasiado de la aplicación, y la información que esta proporciona. Esto podría llevar a situaciones en las que se ignoren recomendaciones médicas profesionales.</a:t>
+              <a:rPr lang="es-ES" sz="1800" b="1" dirty="0"/>
+              <a:t>Objetivo</a:t>
             </a:r>
+          </a:p>
+          <a:p>
+            <a:endParaRPr lang="es-ES" sz="1800" b="1" dirty="0">
+              <a:solidFill>
+                <a:schemeClr val="tx1"/>
+              </a:solidFill>
+            </a:endParaRPr>
+          </a:p>
+          <a:p>
+            <a:r>
+              <a:rPr lang="es-MX" sz="1400" dirty="0">
+                <a:solidFill>
+                  <a:schemeClr val="tx1"/>
+                </a:solidFill>
+              </a:rPr>
+              <a:t>El objetivo principal de esta iniciativa es mejorar la salud pública al proporcionar a las personas información precisa y accesible sobre los medicamentos que consumen. Esto incluye educar sobre sus usos adecuados, posibles efectos secundarios y la importancia de consultar con profesionales de la salud. Así, se pretende reducir los riesgos asociados con la automedicación y fomentar prácticas más seguras y conscientes entre la población.</a:t>
+            </a:r>
+            <a:endParaRPr lang="es-ES" sz="1400" dirty="0">
+              <a:solidFill>
+                <a:schemeClr val="tx1"/>
+              </a:solidFill>
+            </a:endParaRPr>
+          </a:p>
+          <a:p>
+            <a:endParaRPr lang="es-ES" dirty="0"/>
           </a:p>
         </p:txBody>
       </p:sp>
@@ -11326,7 +9445,7 @@
     </p:custDataLst>
     <p:extLst>
       <p:ext uri="{BB962C8B-B14F-4D97-AF65-F5344CB8AC3E}">
-        <p14:creationId xmlns:p14="http://schemas.microsoft.com/office/powerpoint/2010/main" val="1483232260"/>
+        <p14:creationId xmlns:p14="http://schemas.microsoft.com/office/powerpoint/2010/main" val="1574958466"/>
       </p:ext>
     </p:extLst>
   </p:cSld>
@@ -11336,7 +9455,365 @@
 </p:sld>
 </file>
 
-<file path=ppt/slides/slide7.xml><?xml version="1.0" encoding="utf-8"?>
+<file path=ppt/slides/slide5.xml><?xml version="1.0" encoding="utf-8"?>
+<p:sld xmlns:a="http://schemas.openxmlformats.org/drawingml/2006/main" xmlns:r="http://schemas.openxmlformats.org/officeDocument/2006/relationships" xmlns:p="http://schemas.openxmlformats.org/presentationml/2006/main">
+  <p:cSld>
+    <p:spTree>
+      <p:nvGrpSpPr>
+        <p:cNvPr id="1" name="Shape 67"/>
+        <p:cNvGrpSpPr/>
+        <p:nvPr/>
+      </p:nvGrpSpPr>
+      <p:grpSpPr>
+        <a:xfrm>
+          <a:off x="0" y="0"/>
+          <a:ext cx="0" cy="0"/>
+          <a:chOff x="0" y="0"/>
+          <a:chExt cx="0" cy="0"/>
+        </a:xfrm>
+      </p:grpSpPr>
+      <p:sp>
+        <p:nvSpPr>
+          <p:cNvPr id="68" name="Google Shape;68;p3"/>
+          <p:cNvSpPr/>
+          <p:nvPr/>
+        </p:nvSpPr>
+        <p:spPr>
+          <a:xfrm>
+            <a:off x="528795" y="372009"/>
+            <a:ext cx="9374030" cy="861774"/>
+          </a:xfrm>
+          <a:prstGeom prst="rect">
+            <a:avLst/>
+          </a:prstGeom>
+          <a:noFill/>
+          <a:ln>
+            <a:noFill/>
+          </a:ln>
+        </p:spPr>
+        <p:txBody>
+          <a:bodyPr spcFirstLastPara="1" wrap="square" lIns="0" tIns="0" rIns="0" bIns="0" anchor="t" anchorCtr="0">
+            <a:spAutoFit/>
+          </a:bodyPr>
+          <a:lstStyle/>
+          <a:p>
+            <a:r>
+              <a:rPr lang="es-MX" sz="2800">
+                <a:solidFill>
+                  <a:schemeClr val="bg1"/>
+                </a:solidFill>
+              </a:rPr>
+              <a:t>Reconocimiento </a:t>
+            </a:r>
+            <a:r>
+              <a:rPr lang="es-MX" sz="2800">
+                <a:solidFill>
+                  <a:schemeClr val="bg1"/>
+                </a:solidFill>
+                <a:latin typeface="Arial"/>
+                <a:ea typeface="Arial"/>
+                <a:cs typeface="Arial"/>
+                <a:sym typeface="Arial"/>
+              </a:rPr>
+              <a:t>de </a:t>
+            </a:r>
+            <a:r>
+              <a:rPr lang="es-MX" sz="2800">
+                <a:solidFill>
+                  <a:schemeClr val="bg1"/>
+                </a:solidFill>
+              </a:rPr>
+              <a:t>Medicamentos con IA</a:t>
+            </a:r>
+            <a:endParaRPr lang="es-MX" sz="2800"/>
+          </a:p>
+          <a:p>
+            <a:pPr marL="0" marR="0" lvl="0" indent="0" algn="l">
+              <a:spcBef>
+                <a:spcPts val="0"/>
+              </a:spcBef>
+              <a:spcAft>
+                <a:spcPts val="0"/>
+              </a:spcAft>
+              <a:buNone/>
+            </a:pPr>
+            <a:endParaRPr lang="es-MX" sz="2800">
+              <a:solidFill>
+                <a:schemeClr val="lt1"/>
+              </a:solidFill>
+              <a:latin typeface="Arial"/>
+              <a:ea typeface="Arial"/>
+              <a:cs typeface="Arial"/>
+            </a:endParaRPr>
+          </a:p>
+        </p:txBody>
+      </p:sp>
+      <p:grpSp>
+        <p:nvGrpSpPr>
+          <p:cNvPr id="69" name="Google Shape;69;p3"/>
+          <p:cNvGrpSpPr/>
+          <p:nvPr/>
+        </p:nvGrpSpPr>
+        <p:grpSpPr>
+          <a:xfrm>
+            <a:off x="618248" y="1706216"/>
+            <a:ext cx="8037689" cy="632207"/>
+            <a:chOff x="4181256" y="3224809"/>
+            <a:chExt cx="8037689" cy="632207"/>
+          </a:xfrm>
+        </p:grpSpPr>
+        <p:sp>
+          <p:nvSpPr>
+            <p:cNvPr id="70" name="Google Shape;70;p3"/>
+            <p:cNvSpPr/>
+            <p:nvPr/>
+          </p:nvSpPr>
+          <p:spPr>
+            <a:xfrm>
+              <a:off x="4364136" y="3225982"/>
+              <a:ext cx="7854809" cy="276999"/>
+            </a:xfrm>
+            <a:prstGeom prst="rect">
+              <a:avLst/>
+            </a:prstGeom>
+            <a:noFill/>
+            <a:ln>
+              <a:noFill/>
+            </a:ln>
+          </p:spPr>
+          <p:txBody>
+            <a:bodyPr spcFirstLastPara="1" wrap="square" lIns="0" tIns="0" rIns="0" bIns="0" anchor="ctr" anchorCtr="0">
+              <a:spAutoFit/>
+            </a:bodyPr>
+            <a:lstStyle/>
+            <a:p>
+              <a:r>
+                <a:rPr lang="en-US" sz="1800" b="1" dirty="0">
+                  <a:solidFill>
+                    <a:srgbClr val="3F3F3F"/>
+                  </a:solidFill>
+                </a:rPr>
+                <a:t> </a:t>
+              </a:r>
+              <a:r>
+                <a:rPr lang="es-MX" sz="1800" b="1" dirty="0">
+                  <a:solidFill>
+                    <a:srgbClr val="3F3F3F"/>
+                  </a:solidFill>
+                </a:rPr>
+                <a:t>	Descripción del proyecto</a:t>
+              </a:r>
+              <a:endParaRPr lang="en-US" b="1" dirty="0"/>
+            </a:p>
+          </p:txBody>
+        </p:sp>
+        <p:sp>
+          <p:nvSpPr>
+            <p:cNvPr id="71" name="Google Shape;71;p3"/>
+            <p:cNvSpPr/>
+            <p:nvPr/>
+          </p:nvSpPr>
+          <p:spPr>
+            <a:xfrm>
+              <a:off x="4181256" y="3224809"/>
+              <a:ext cx="36000" cy="252000"/>
+            </a:xfrm>
+            <a:prstGeom prst="rect">
+              <a:avLst/>
+            </a:prstGeom>
+            <a:solidFill>
+              <a:srgbClr val="193EB0"/>
+            </a:solidFill>
+            <a:ln>
+              <a:noFill/>
+            </a:ln>
+          </p:spPr>
+          <p:txBody>
+            <a:bodyPr spcFirstLastPara="1" wrap="square" lIns="91425" tIns="45700" rIns="91425" bIns="45700" anchor="ctr" anchorCtr="0">
+              <a:noAutofit/>
+            </a:bodyPr>
+            <a:lstStyle/>
+            <a:p>
+              <a:pPr marL="0" marR="0" lvl="0" indent="0" algn="ctr" rtl="0">
+                <a:spcBef>
+                  <a:spcPts val="0"/>
+                </a:spcBef>
+                <a:spcAft>
+                  <a:spcPts val="0"/>
+                </a:spcAft>
+                <a:buNone/>
+              </a:pPr>
+              <a:endParaRPr sz="2800">
+                <a:solidFill>
+                  <a:schemeClr val="lt1"/>
+                </a:solidFill>
+                <a:latin typeface="Calibri"/>
+                <a:ea typeface="Calibri"/>
+                <a:cs typeface="Calibri"/>
+                <a:sym typeface="Calibri"/>
+              </a:endParaRPr>
+            </a:p>
+          </p:txBody>
+        </p:sp>
+        <p:sp>
+          <p:nvSpPr>
+            <p:cNvPr id="72" name="Google Shape;72;p3"/>
+            <p:cNvSpPr/>
+            <p:nvPr/>
+          </p:nvSpPr>
+          <p:spPr>
+            <a:xfrm>
+              <a:off x="5160752" y="3641572"/>
+              <a:ext cx="3400417" cy="215444"/>
+            </a:xfrm>
+            <a:prstGeom prst="rect">
+              <a:avLst/>
+            </a:prstGeom>
+            <a:noFill/>
+            <a:ln>
+              <a:noFill/>
+            </a:ln>
+          </p:spPr>
+          <p:txBody>
+            <a:bodyPr spcFirstLastPara="1" wrap="square" lIns="0" tIns="0" rIns="0" bIns="0" anchor="t" anchorCtr="0">
+              <a:spAutoFit/>
+            </a:bodyPr>
+            <a:lstStyle/>
+            <a:p>
+              <a:pPr marL="0" marR="0" lvl="0" indent="0" algn="l" rtl="0">
+                <a:spcBef>
+                  <a:spcPts val="0"/>
+                </a:spcBef>
+                <a:spcAft>
+                  <a:spcPts val="0"/>
+                </a:spcAft>
+                <a:buNone/>
+              </a:pPr>
+              <a:endParaRPr/>
+            </a:p>
+          </p:txBody>
+        </p:sp>
+      </p:grpSp>
+      <p:sp>
+        <p:nvSpPr>
+          <p:cNvPr id="76" name="Google Shape;76;p3"/>
+          <p:cNvSpPr/>
+          <p:nvPr/>
+        </p:nvSpPr>
+        <p:spPr>
+          <a:xfrm>
+            <a:off x="1951869" y="2172472"/>
+            <a:ext cx="5996724" cy="1938992"/>
+          </a:xfrm>
+          <a:prstGeom prst="rect">
+            <a:avLst/>
+          </a:prstGeom>
+          <a:noFill/>
+          <a:ln>
+            <a:noFill/>
+          </a:ln>
+        </p:spPr>
+        <p:txBody>
+          <a:bodyPr spcFirstLastPara="1" wrap="square" lIns="0" tIns="0" rIns="0" bIns="0" anchor="t" anchorCtr="0">
+            <a:spAutoFit/>
+          </a:bodyPr>
+          <a:lstStyle/>
+          <a:p>
+            <a:pPr algn="just"/>
+            <a:r>
+              <a:rPr lang="es-MX" dirty="0">
+                <a:solidFill>
+                  <a:schemeClr val="bg2"/>
+                </a:solidFill>
+              </a:rPr>
+              <a:t>El proyecto consiste en una aplicación de reconocimiento de medicamentos mediante el uso de un modelo de detección de objetos entrenado con YOLOv5. La aplicación permitirá a los usuarios tomar una foto del medicamento con su cámara, y luego la imagen será procesada por un modelo de inteligencia artificial que identificará el medicamento. Una vez identificado, la aplicación proporcionará información detallada sobre el medicamento, incluyendo su función, usos recomendados, posibles efectos secundarios y si requiere receta médica.</a:t>
+            </a:r>
+            <a:endParaRPr lang="es-ES" dirty="0">
+              <a:solidFill>
+                <a:schemeClr val="bg2"/>
+              </a:solidFill>
+            </a:endParaRPr>
+          </a:p>
+          <a:p>
+            <a:pPr algn="just"/>
+            <a:endParaRPr lang="es-MX" dirty="0">
+              <a:solidFill>
+                <a:schemeClr val="bg2"/>
+              </a:solidFill>
+            </a:endParaRPr>
+          </a:p>
+        </p:txBody>
+      </p:sp>
+      <p:pic>
+        <p:nvPicPr>
+          <p:cNvPr id="2" name="Imagen 1" descr="Imagen que contiene Texto&#10;&#10;Descripción generada automáticamente">
+            <a:extLst>
+              <a:ext uri="{FF2B5EF4-FFF2-40B4-BE49-F238E27FC236}">
+                <a16:creationId xmlns:a16="http://schemas.microsoft.com/office/drawing/2014/main" id="{352E1E72-529F-3C2F-27FB-95836F6C6A66}"/>
+              </a:ext>
+            </a:extLst>
+          </p:cNvPr>
+          <p:cNvPicPr>
+            <a:picLocks noChangeAspect="1"/>
+          </p:cNvPicPr>
+          <p:nvPr/>
+        </p:nvPicPr>
+        <p:blipFill rotWithShape="1">
+          <a:blip r:embed="rId4"/>
+          <a:srcRect l="6091" r="8883" b="9365"/>
+          <a:stretch/>
+        </p:blipFill>
+        <p:spPr>
+          <a:xfrm>
+            <a:off x="839892" y="3958911"/>
+            <a:ext cx="2853694" cy="2300921"/>
+          </a:xfrm>
+          <a:prstGeom prst="rect">
+            <a:avLst/>
+          </a:prstGeom>
+        </p:spPr>
+      </p:pic>
+      <p:pic>
+        <p:nvPicPr>
+          <p:cNvPr id="4" name="Imagen 3" descr="Imagen que contiene Calendario&#10;&#10;Descripción generada automáticamente">
+            <a:extLst>
+              <a:ext uri="{FF2B5EF4-FFF2-40B4-BE49-F238E27FC236}">
+                <a16:creationId xmlns:a16="http://schemas.microsoft.com/office/drawing/2014/main" id="{E9055C3B-BB3A-87A3-2651-AEBE95D3EFF3}"/>
+              </a:ext>
+            </a:extLst>
+          </p:cNvPr>
+          <p:cNvPicPr>
+            <a:picLocks noChangeAspect="1"/>
+          </p:cNvPicPr>
+          <p:nvPr/>
+        </p:nvPicPr>
+        <p:blipFill rotWithShape="1">
+          <a:blip r:embed="rId5"/>
+          <a:srcRect l="-60" r="2482" b="6383"/>
+          <a:stretch/>
+        </p:blipFill>
+        <p:spPr>
+          <a:xfrm>
+            <a:off x="5799333" y="3675674"/>
+            <a:ext cx="2850452" cy="2730190"/>
+          </a:xfrm>
+          <a:prstGeom prst="rect">
+            <a:avLst/>
+          </a:prstGeom>
+        </p:spPr>
+      </p:pic>
+    </p:spTree>
+    <p:custDataLst>
+      <p:tags r:id="rId1"/>
+    </p:custDataLst>
+  </p:cSld>
+  <p:clrMapOvr>
+    <a:masterClrMapping/>
+  </p:clrMapOvr>
+</p:sld>
+</file>
+
+<file path=ppt/slides/slide6.xml><?xml version="1.0" encoding="utf-8"?>
 <p:sld xmlns:a="http://schemas.openxmlformats.org/drawingml/2006/main" xmlns:r="http://schemas.openxmlformats.org/officeDocument/2006/relationships" xmlns:p="http://schemas.openxmlformats.org/presentationml/2006/main">
   <p:cSld>
     <p:spTree>
@@ -11443,7 +9920,7 @@
           <a:lstStyle/>
           <a:p>
             <a:r>
-              <a:rPr lang="es-ES"/>
+              <a:rPr lang="es-ES" b="1" dirty="0"/>
               <a:t>Efectos en la automedicación</a:t>
             </a:r>
           </a:p>
@@ -11481,7 +9958,7 @@
           <a:lstStyle/>
           <a:p>
             <a:r>
-              <a:rPr lang="es-ES"/>
+              <a:rPr lang="es-ES" b="1" dirty="0"/>
               <a:t>Principales motivos de la automedicación</a:t>
             </a:r>
           </a:p>
@@ -11572,7 +10049,7 @@
     </p:spTree>
     <p:extLst>
       <p:ext uri="{BB962C8B-B14F-4D97-AF65-F5344CB8AC3E}">
-        <p14:creationId xmlns:p14="http://schemas.microsoft.com/office/powerpoint/2010/main" val="2254023160"/>
+        <p14:creationId xmlns:p14="http://schemas.microsoft.com/office/powerpoint/2010/main" val="3386533028"/>
       </p:ext>
     </p:extLst>
   </p:cSld>
@@ -11582,319 +10059,7 @@
 </p:sld>
 </file>
 
-<file path=ppt/slides/slide8.xml><?xml version="1.0" encoding="utf-8"?>
-<p:sld xmlns:a="http://schemas.openxmlformats.org/drawingml/2006/main" xmlns:r="http://schemas.openxmlformats.org/officeDocument/2006/relationships" xmlns:p="http://schemas.openxmlformats.org/presentationml/2006/main">
-  <p:cSld>
-    <p:spTree>
-      <p:nvGrpSpPr>
-        <p:cNvPr id="1" name="Shape 67"/>
-        <p:cNvGrpSpPr/>
-        <p:nvPr/>
-      </p:nvGrpSpPr>
-      <p:grpSpPr>
-        <a:xfrm>
-          <a:off x="0" y="0"/>
-          <a:ext cx="0" cy="0"/>
-          <a:chOff x="0" y="0"/>
-          <a:chExt cx="0" cy="0"/>
-        </a:xfrm>
-      </p:grpSpPr>
-      <p:grpSp>
-        <p:nvGrpSpPr>
-          <p:cNvPr id="69" name="Google Shape;69;p3"/>
-          <p:cNvGrpSpPr/>
-          <p:nvPr/>
-        </p:nvGrpSpPr>
-        <p:grpSpPr>
-          <a:xfrm>
-            <a:off x="644303" y="1291891"/>
-            <a:ext cx="8011634" cy="1046532"/>
-            <a:chOff x="4207311" y="2810484"/>
-            <a:chExt cx="8011634" cy="1046532"/>
-          </a:xfrm>
-        </p:grpSpPr>
-        <p:sp>
-          <p:nvSpPr>
-            <p:cNvPr id="70" name="Google Shape;70;p3"/>
-            <p:cNvSpPr/>
-            <p:nvPr/>
-          </p:nvSpPr>
-          <p:spPr>
-            <a:xfrm>
-              <a:off x="4364136" y="3087483"/>
-              <a:ext cx="7854809" cy="553998"/>
-            </a:xfrm>
-            <a:prstGeom prst="rect">
-              <a:avLst/>
-            </a:prstGeom>
-            <a:noFill/>
-            <a:ln>
-              <a:noFill/>
-            </a:ln>
-          </p:spPr>
-          <p:txBody>
-            <a:bodyPr spcFirstLastPara="1" wrap="square" lIns="0" tIns="0" rIns="0" bIns="0" anchor="ctr" anchorCtr="0">
-              <a:spAutoFit/>
-            </a:bodyPr>
-            <a:lstStyle/>
-            <a:p>
-              <a:pPr marL="0" marR="0" lvl="0" indent="0" algn="l" rtl="0">
-                <a:spcBef>
-                  <a:spcPts val="0"/>
-                </a:spcBef>
-                <a:spcAft>
-                  <a:spcPts val="0"/>
-                </a:spcAft>
-                <a:buNone/>
-              </a:pPr>
-              <a:r>
-                <a:rPr lang="en-US" sz="1800">
-                  <a:solidFill>
-                    <a:srgbClr val="3F3F3F"/>
-                  </a:solidFill>
-                </a:rPr>
-                <a:t>3.</a:t>
-              </a:r>
-              <a:r>
-                <a:rPr lang="es-MX" sz="1800">
-                  <a:solidFill>
-                    <a:srgbClr val="3F3F3F"/>
-                  </a:solidFill>
-                </a:rPr>
-                <a:t> 	¿Cómo afectará a la comunidad (positiva o 				negativamente)?</a:t>
-              </a:r>
-              <a:endParaRPr lang="en-US"/>
-            </a:p>
-          </p:txBody>
-        </p:sp>
-        <p:sp>
-          <p:nvSpPr>
-            <p:cNvPr id="71" name="Google Shape;71;p3"/>
-            <p:cNvSpPr/>
-            <p:nvPr/>
-          </p:nvSpPr>
-          <p:spPr>
-            <a:xfrm flipH="1">
-              <a:off x="4207311" y="2810484"/>
-              <a:ext cx="45719" cy="1046532"/>
-            </a:xfrm>
-            <a:prstGeom prst="rect">
-              <a:avLst/>
-            </a:prstGeom>
-            <a:solidFill>
-              <a:srgbClr val="193EB0"/>
-            </a:solidFill>
-            <a:ln>
-              <a:noFill/>
-            </a:ln>
-          </p:spPr>
-          <p:txBody>
-            <a:bodyPr spcFirstLastPara="1" wrap="square" lIns="91425" tIns="45700" rIns="91425" bIns="45700" anchor="ctr" anchorCtr="0">
-              <a:noAutofit/>
-            </a:bodyPr>
-            <a:lstStyle/>
-            <a:p>
-              <a:pPr marL="0" marR="0" lvl="0" indent="0" algn="ctr" rtl="0">
-                <a:spcBef>
-                  <a:spcPts val="0"/>
-                </a:spcBef>
-                <a:spcAft>
-                  <a:spcPts val="0"/>
-                </a:spcAft>
-                <a:buNone/>
-              </a:pPr>
-              <a:endParaRPr sz="2800">
-                <a:solidFill>
-                  <a:schemeClr val="lt1"/>
-                </a:solidFill>
-                <a:latin typeface="Calibri"/>
-                <a:ea typeface="Calibri"/>
-                <a:cs typeface="Calibri"/>
-                <a:sym typeface="Calibri"/>
-              </a:endParaRPr>
-            </a:p>
-          </p:txBody>
-        </p:sp>
-        <p:sp>
-          <p:nvSpPr>
-            <p:cNvPr id="72" name="Google Shape;72;p3"/>
-            <p:cNvSpPr/>
-            <p:nvPr/>
-          </p:nvSpPr>
-          <p:spPr>
-            <a:xfrm>
-              <a:off x="5160752" y="3641572"/>
-              <a:ext cx="3400417" cy="215444"/>
-            </a:xfrm>
-            <a:prstGeom prst="rect">
-              <a:avLst/>
-            </a:prstGeom>
-            <a:noFill/>
-            <a:ln>
-              <a:noFill/>
-            </a:ln>
-          </p:spPr>
-          <p:txBody>
-            <a:bodyPr spcFirstLastPara="1" wrap="square" lIns="0" tIns="0" rIns="0" bIns="0" anchor="t" anchorCtr="0">
-              <a:spAutoFit/>
-            </a:bodyPr>
-            <a:lstStyle/>
-            <a:p>
-              <a:pPr marL="0" marR="0" lvl="0" indent="0" algn="l" rtl="0">
-                <a:spcBef>
-                  <a:spcPts val="0"/>
-                </a:spcBef>
-                <a:spcAft>
-                  <a:spcPts val="0"/>
-                </a:spcAft>
-                <a:buNone/>
-              </a:pPr>
-              <a:endParaRPr/>
-            </a:p>
-          </p:txBody>
-        </p:sp>
-      </p:grpSp>
-      <p:sp>
-        <p:nvSpPr>
-          <p:cNvPr id="76" name="Google Shape;76;p3"/>
-          <p:cNvSpPr/>
-          <p:nvPr/>
-        </p:nvSpPr>
-        <p:spPr>
-          <a:xfrm>
-            <a:off x="1757927" y="2629761"/>
-            <a:ext cx="5789048" cy="1938992"/>
-          </a:xfrm>
-          <a:prstGeom prst="rect">
-            <a:avLst/>
-          </a:prstGeom>
-          <a:noFill/>
-          <a:ln>
-            <a:noFill/>
-          </a:ln>
-        </p:spPr>
-        <p:txBody>
-          <a:bodyPr spcFirstLastPara="1" wrap="square" lIns="0" tIns="0" rIns="0" bIns="0" anchor="t" anchorCtr="0">
-            <a:spAutoFit/>
-          </a:bodyPr>
-          <a:lstStyle/>
-          <a:p>
-            <a:pPr algn="just"/>
-            <a:r>
-              <a:rPr lang="es-MX">
-                <a:solidFill>
-                  <a:schemeClr val="bg2"/>
-                </a:solidFill>
-              </a:rPr>
-              <a:t>La aplicación afectará positivamente a la comunidad al mejorar la educación y seguridad en el uso de medicamentos. Proporcionará información detallada sobre los medicamentos, incluyendo usos, efectos secundarios y requisitos de receta médica, empoderando a los usuarios para tomar decisiones informadas y reducir la automedicación incorrecta. Aunque no se puede eliminar esta práctica, la aplicación aumentará la seguridad de las personas al brindarles información crucial. Además, se deben abordar preocupaciones éticas y de privacidad para maximizar los beneficios del proyecto y asegurar un uso responsable.</a:t>
-            </a:r>
-            <a:endParaRPr lang="es-ES">
-              <a:solidFill>
-                <a:schemeClr val="bg2"/>
-              </a:solidFill>
-            </a:endParaRPr>
-          </a:p>
-        </p:txBody>
-      </p:sp>
-      <p:sp>
-        <p:nvSpPr>
-          <p:cNvPr id="3" name="Google Shape;68;p3">
-            <a:extLst>
-              <a:ext uri="{FF2B5EF4-FFF2-40B4-BE49-F238E27FC236}">
-                <a16:creationId xmlns:a16="http://schemas.microsoft.com/office/drawing/2014/main" id="{D99072BE-BF9D-D3EA-6DEE-BD5D40217C14}"/>
-              </a:ext>
-            </a:extLst>
-          </p:cNvPr>
-          <p:cNvSpPr/>
-          <p:nvPr/>
-        </p:nvSpPr>
-        <p:spPr>
-          <a:xfrm>
-            <a:off x="528795" y="372009"/>
-            <a:ext cx="9374030" cy="861774"/>
-          </a:xfrm>
-          <a:prstGeom prst="rect">
-            <a:avLst/>
-          </a:prstGeom>
-          <a:noFill/>
-          <a:ln>
-            <a:noFill/>
-          </a:ln>
-        </p:spPr>
-        <p:txBody>
-          <a:bodyPr spcFirstLastPara="1" wrap="square" lIns="0" tIns="0" rIns="0" bIns="0" anchor="t" anchorCtr="0">
-            <a:spAutoFit/>
-          </a:bodyPr>
-          <a:lstStyle/>
-          <a:p>
-            <a:r>
-              <a:rPr lang="es-MX" sz="2800">
-                <a:solidFill>
-                  <a:schemeClr val="bg1"/>
-                </a:solidFill>
-              </a:rPr>
-              <a:t>Reconocimiento </a:t>
-            </a:r>
-            <a:r>
-              <a:rPr lang="es-MX" sz="2800">
-                <a:solidFill>
-                  <a:schemeClr val="bg1"/>
-                </a:solidFill>
-                <a:latin typeface="Arial"/>
-                <a:ea typeface="Arial"/>
-                <a:cs typeface="Arial"/>
-                <a:sym typeface="Arial"/>
-              </a:rPr>
-              <a:t>de </a:t>
-            </a:r>
-            <a:r>
-              <a:rPr lang="es-MX" sz="2800">
-                <a:solidFill>
-                  <a:schemeClr val="bg1"/>
-                </a:solidFill>
-              </a:rPr>
-              <a:t>Medicamentos con IA</a:t>
-            </a:r>
-            <a:endParaRPr lang="es-MX" sz="2800"/>
-          </a:p>
-          <a:p>
-            <a:pPr marL="0" marR="0" lvl="0" indent="0" algn="l">
-              <a:spcBef>
-                <a:spcPts val="0"/>
-              </a:spcBef>
-              <a:spcAft>
-                <a:spcPts val="0"/>
-              </a:spcAft>
-              <a:buNone/>
-            </a:pPr>
-            <a:endParaRPr lang="es-MX" sz="2800">
-              <a:solidFill>
-                <a:schemeClr val="lt1"/>
-              </a:solidFill>
-              <a:latin typeface="Arial"/>
-              <a:ea typeface="Arial"/>
-              <a:cs typeface="Arial"/>
-            </a:endParaRPr>
-          </a:p>
-        </p:txBody>
-      </p:sp>
-    </p:spTree>
-    <p:custDataLst>
-      <p:tags r:id="rId1"/>
-    </p:custDataLst>
-    <p:extLst>
-      <p:ext uri="{BB962C8B-B14F-4D97-AF65-F5344CB8AC3E}">
-        <p14:creationId xmlns:p14="http://schemas.microsoft.com/office/powerpoint/2010/main" val="2897094079"/>
-      </p:ext>
-    </p:extLst>
-  </p:cSld>
-  <p:clrMapOvr>
-    <a:masterClrMapping/>
-  </p:clrMapOvr>
-</p:sld>
-</file>
-
-<file path=ppt/slides/slide9.xml><?xml version="1.0" encoding="utf-8"?>
+<file path=ppt/slides/slide7.xml><?xml version="1.0" encoding="utf-8"?>
 <p:sld xmlns:a="http://schemas.openxmlformats.org/drawingml/2006/main" xmlns:r="http://schemas.openxmlformats.org/officeDocument/2006/relationships" xmlns:p="http://schemas.openxmlformats.org/presentationml/2006/main">
   <p:cSld>
     <p:spTree>
@@ -12072,7 +10237,844 @@
     </p:custDataLst>
     <p:extLst>
       <p:ext uri="{BB962C8B-B14F-4D97-AF65-F5344CB8AC3E}">
-        <p14:creationId xmlns:p14="http://schemas.microsoft.com/office/powerpoint/2010/main" val="4285275474"/>
+        <p14:creationId xmlns:p14="http://schemas.microsoft.com/office/powerpoint/2010/main" val="3432175929"/>
+      </p:ext>
+    </p:extLst>
+  </p:cSld>
+  <p:clrMapOvr>
+    <a:masterClrMapping/>
+  </p:clrMapOvr>
+</p:sld>
+</file>
+
+<file path=ppt/slides/slide8.xml><?xml version="1.0" encoding="utf-8"?>
+<p:sld xmlns:a="http://schemas.openxmlformats.org/drawingml/2006/main" xmlns:r="http://schemas.openxmlformats.org/officeDocument/2006/relationships" xmlns:p="http://schemas.openxmlformats.org/presentationml/2006/main">
+  <p:cSld>
+    <p:spTree>
+      <p:nvGrpSpPr>
+        <p:cNvPr id="1" name="Shape 67"/>
+        <p:cNvGrpSpPr/>
+        <p:nvPr/>
+      </p:nvGrpSpPr>
+      <p:grpSpPr>
+        <a:xfrm>
+          <a:off x="0" y="0"/>
+          <a:ext cx="0" cy="0"/>
+          <a:chOff x="0" y="0"/>
+          <a:chExt cx="0" cy="0"/>
+        </a:xfrm>
+      </p:grpSpPr>
+      <p:sp>
+        <p:nvSpPr>
+          <p:cNvPr id="8" name="Google Shape;68;p3">
+            <a:extLst>
+              <a:ext uri="{FF2B5EF4-FFF2-40B4-BE49-F238E27FC236}">
+                <a16:creationId xmlns:a16="http://schemas.microsoft.com/office/drawing/2014/main" id="{1353E338-1CAC-21B2-55E3-89BB274134AF}"/>
+              </a:ext>
+            </a:extLst>
+          </p:cNvPr>
+          <p:cNvSpPr/>
+          <p:nvPr/>
+        </p:nvSpPr>
+        <p:spPr>
+          <a:xfrm>
+            <a:off x="528795" y="372009"/>
+            <a:ext cx="9374030" cy="861774"/>
+          </a:xfrm>
+          <a:prstGeom prst="rect">
+            <a:avLst/>
+          </a:prstGeom>
+          <a:noFill/>
+          <a:ln>
+            <a:noFill/>
+          </a:ln>
+        </p:spPr>
+        <p:txBody>
+          <a:bodyPr spcFirstLastPara="1" wrap="square" lIns="0" tIns="0" rIns="0" bIns="0" anchor="t" anchorCtr="0">
+            <a:spAutoFit/>
+          </a:bodyPr>
+          <a:lstStyle/>
+          <a:p>
+            <a:r>
+              <a:rPr lang="es-MX" sz="2800">
+                <a:solidFill>
+                  <a:schemeClr val="bg1"/>
+                </a:solidFill>
+              </a:rPr>
+              <a:t>Reconocimiento </a:t>
+            </a:r>
+            <a:r>
+              <a:rPr lang="es-MX" sz="2800">
+                <a:solidFill>
+                  <a:schemeClr val="bg1"/>
+                </a:solidFill>
+                <a:latin typeface="Arial"/>
+                <a:ea typeface="Arial"/>
+                <a:cs typeface="Arial"/>
+                <a:sym typeface="Arial"/>
+              </a:rPr>
+              <a:t>de </a:t>
+            </a:r>
+            <a:r>
+              <a:rPr lang="es-MX" sz="2800">
+                <a:solidFill>
+                  <a:schemeClr val="bg1"/>
+                </a:solidFill>
+              </a:rPr>
+              <a:t>Medicamentos con IA</a:t>
+            </a:r>
+            <a:endParaRPr lang="es-MX" sz="2800"/>
+          </a:p>
+          <a:p>
+            <a:pPr marL="0" marR="0" lvl="0" indent="0" algn="l">
+              <a:spcBef>
+                <a:spcPts val="0"/>
+              </a:spcBef>
+              <a:spcAft>
+                <a:spcPts val="0"/>
+              </a:spcAft>
+              <a:buNone/>
+            </a:pPr>
+            <a:endParaRPr lang="es-MX" sz="2800">
+              <a:solidFill>
+                <a:schemeClr val="lt1"/>
+              </a:solidFill>
+              <a:latin typeface="Arial"/>
+              <a:ea typeface="Arial"/>
+              <a:cs typeface="Arial"/>
+            </a:endParaRPr>
+          </a:p>
+        </p:txBody>
+      </p:sp>
+      <p:pic>
+        <p:nvPicPr>
+          <p:cNvPr id="2" name="Imagen 1" descr="86% de mexicanos toma medicamentos sin prescripción médica">
+            <a:extLst>
+              <a:ext uri="{FF2B5EF4-FFF2-40B4-BE49-F238E27FC236}">
+                <a16:creationId xmlns:a16="http://schemas.microsoft.com/office/drawing/2014/main" id="{48EF7E53-C686-A6F3-60F6-5C4676FABBAA}"/>
+              </a:ext>
+            </a:extLst>
+          </p:cNvPr>
+          <p:cNvPicPr>
+            <a:picLocks noChangeAspect="1"/>
+          </p:cNvPicPr>
+          <p:nvPr/>
+        </p:nvPicPr>
+        <p:blipFill rotWithShape="1">
+          <a:blip r:embed="rId4"/>
+          <a:srcRect r="247" b="23153"/>
+          <a:stretch/>
+        </p:blipFill>
+        <p:spPr>
+          <a:xfrm>
+            <a:off x="1600780" y="2026960"/>
+            <a:ext cx="7229004" cy="2794720"/>
+          </a:xfrm>
+          <a:prstGeom prst="rect">
+            <a:avLst/>
+          </a:prstGeom>
+        </p:spPr>
+      </p:pic>
+      <p:sp>
+        <p:nvSpPr>
+          <p:cNvPr id="3" name="CuadroTexto 2">
+            <a:extLst>
+              <a:ext uri="{FF2B5EF4-FFF2-40B4-BE49-F238E27FC236}">
+                <a16:creationId xmlns:a16="http://schemas.microsoft.com/office/drawing/2014/main" id="{0FF7D188-B5E5-3908-D99E-5EEE85E63763}"/>
+              </a:ext>
+            </a:extLst>
+          </p:cNvPr>
+          <p:cNvSpPr txBox="1"/>
+          <p:nvPr/>
+        </p:nvSpPr>
+        <p:spPr>
+          <a:xfrm>
+            <a:off x="1906733" y="1711825"/>
+            <a:ext cx="6620164" cy="523220"/>
+          </a:xfrm>
+          <a:prstGeom prst="rect">
+            <a:avLst/>
+          </a:prstGeom>
+          <a:noFill/>
+        </p:spPr>
+        <p:txBody>
+          <a:bodyPr rot="0" spcFirstLastPara="0" vertOverflow="overflow" horzOverflow="overflow" vert="horz" wrap="square" lIns="91440" tIns="45720" rIns="91440" bIns="45720" numCol="1" spcCol="0" rtlCol="0" fromWordArt="0" anchor="t" anchorCtr="0" forceAA="0" compatLnSpc="1">
+            <a:prstTxWarp prst="textNoShape">
+              <a:avLst/>
+            </a:prstTxWarp>
+            <a:spAutoFit/>
+          </a:bodyPr>
+          <a:lstStyle/>
+          <a:p>
+            <a:r>
+              <a:rPr lang="es-ES" b="1" dirty="0"/>
+              <a:t>Donde las personas de </a:t>
+            </a:r>
+            <a:r>
+              <a:rPr lang="es-ES" b="1" dirty="0" err="1"/>
+              <a:t>mexico</a:t>
+            </a:r>
+            <a:r>
+              <a:rPr lang="es-ES" b="1" dirty="0"/>
+              <a:t> tienden a buscar </a:t>
+            </a:r>
+            <a:r>
+              <a:rPr lang="es-ES" b="1" dirty="0" err="1"/>
+              <a:t>informacion</a:t>
+            </a:r>
+            <a:r>
+              <a:rPr lang="es-ES" b="1" dirty="0"/>
+              <a:t> de medicamentos</a:t>
+            </a:r>
+          </a:p>
+        </p:txBody>
+      </p:sp>
+    </p:spTree>
+    <p:custDataLst>
+      <p:tags r:id="rId1"/>
+    </p:custDataLst>
+    <p:extLst>
+      <p:ext uri="{BB962C8B-B14F-4D97-AF65-F5344CB8AC3E}">
+        <p14:creationId xmlns:p14="http://schemas.microsoft.com/office/powerpoint/2010/main" val="480273257"/>
+      </p:ext>
+    </p:extLst>
+  </p:cSld>
+  <p:clrMapOvr>
+    <a:masterClrMapping/>
+  </p:clrMapOvr>
+</p:sld>
+</file>
+
+<file path=ppt/slides/slide9.xml><?xml version="1.0" encoding="utf-8"?>
+<p:sld xmlns:a="http://schemas.openxmlformats.org/drawingml/2006/main" xmlns:r="http://schemas.openxmlformats.org/officeDocument/2006/relationships" xmlns:p="http://schemas.openxmlformats.org/presentationml/2006/main">
+  <p:cSld>
+    <p:spTree>
+      <p:nvGrpSpPr>
+        <p:cNvPr id="1" name="Shape 67"/>
+        <p:cNvGrpSpPr/>
+        <p:nvPr/>
+      </p:nvGrpSpPr>
+      <p:grpSpPr>
+        <a:xfrm>
+          <a:off x="0" y="0"/>
+          <a:ext cx="0" cy="0"/>
+          <a:chOff x="0" y="0"/>
+          <a:chExt cx="0" cy="0"/>
+        </a:xfrm>
+      </p:grpSpPr>
+      <p:sp>
+        <p:nvSpPr>
+          <p:cNvPr id="68" name="Google Shape;68;p3"/>
+          <p:cNvSpPr/>
+          <p:nvPr/>
+        </p:nvSpPr>
+        <p:spPr>
+          <a:xfrm>
+            <a:off x="528795" y="372009"/>
+            <a:ext cx="9374030" cy="861774"/>
+          </a:xfrm>
+          <a:prstGeom prst="rect">
+            <a:avLst/>
+          </a:prstGeom>
+          <a:noFill/>
+          <a:ln>
+            <a:noFill/>
+          </a:ln>
+        </p:spPr>
+        <p:txBody>
+          <a:bodyPr spcFirstLastPara="1" wrap="square" lIns="0" tIns="0" rIns="0" bIns="0" anchor="t" anchorCtr="0">
+            <a:spAutoFit/>
+          </a:bodyPr>
+          <a:lstStyle/>
+          <a:p>
+            <a:r>
+              <a:rPr lang="es-MX" sz="2800">
+                <a:solidFill>
+                  <a:schemeClr val="bg1"/>
+                </a:solidFill>
+              </a:rPr>
+              <a:t>Reconocimiento </a:t>
+            </a:r>
+            <a:r>
+              <a:rPr lang="es-MX" sz="2800">
+                <a:solidFill>
+                  <a:schemeClr val="bg1"/>
+                </a:solidFill>
+                <a:latin typeface="Arial"/>
+                <a:ea typeface="Arial"/>
+                <a:cs typeface="Arial"/>
+                <a:sym typeface="Arial"/>
+              </a:rPr>
+              <a:t>de </a:t>
+            </a:r>
+            <a:r>
+              <a:rPr lang="es-MX" sz="2800">
+                <a:solidFill>
+                  <a:schemeClr val="bg1"/>
+                </a:solidFill>
+              </a:rPr>
+              <a:t>Medicamentos con IA</a:t>
+            </a:r>
+            <a:endParaRPr lang="es-MX" sz="2800"/>
+          </a:p>
+          <a:p>
+            <a:pPr marL="0" marR="0" lvl="0" indent="0" algn="l">
+              <a:spcBef>
+                <a:spcPts val="0"/>
+              </a:spcBef>
+              <a:spcAft>
+                <a:spcPts val="0"/>
+              </a:spcAft>
+              <a:buNone/>
+            </a:pPr>
+            <a:endParaRPr lang="es-MX" sz="2800">
+              <a:solidFill>
+                <a:schemeClr val="lt1"/>
+              </a:solidFill>
+              <a:latin typeface="Arial"/>
+              <a:ea typeface="Arial"/>
+              <a:cs typeface="Arial"/>
+            </a:endParaRPr>
+          </a:p>
+        </p:txBody>
+      </p:sp>
+      <p:sp>
+        <p:nvSpPr>
+          <p:cNvPr id="3" name="Google Shape;76;p3">
+            <a:extLst>
+              <a:ext uri="{FF2B5EF4-FFF2-40B4-BE49-F238E27FC236}">
+                <a16:creationId xmlns:a16="http://schemas.microsoft.com/office/drawing/2014/main" id="{14B6932B-C45C-8BFC-F7AE-5027085F0891}"/>
+              </a:ext>
+            </a:extLst>
+          </p:cNvPr>
+          <p:cNvSpPr/>
+          <p:nvPr/>
+        </p:nvSpPr>
+        <p:spPr>
+          <a:xfrm>
+            <a:off x="299590" y="2177119"/>
+            <a:ext cx="5015898" cy="4739759"/>
+          </a:xfrm>
+          <a:prstGeom prst="rect">
+            <a:avLst/>
+          </a:prstGeom>
+          <a:noFill/>
+          <a:ln>
+            <a:noFill/>
+          </a:ln>
+        </p:spPr>
+        <p:txBody>
+          <a:bodyPr spcFirstLastPara="1" wrap="square" lIns="0" tIns="0" rIns="0" bIns="0" anchor="t" anchorCtr="0">
+            <a:spAutoFit/>
+          </a:bodyPr>
+          <a:lstStyle/>
+          <a:p>
+            <a:pPr marL="285750" indent="-285750" algn="just">
+              <a:buFont typeface="Arial" panose="020B0604020202020204" pitchFamily="34" charset="0"/>
+              <a:buChar char="•"/>
+            </a:pPr>
+            <a:r>
+              <a:rPr lang="es-MX" b="1" dirty="0" err="1">
+                <a:solidFill>
+                  <a:schemeClr val="bg2"/>
+                </a:solidFill>
+              </a:rPr>
+              <a:t>mysql.connector</a:t>
+            </a:r>
+            <a:r>
+              <a:rPr lang="es-MX" b="1" dirty="0">
+                <a:solidFill>
+                  <a:schemeClr val="bg2"/>
+                </a:solidFill>
+              </a:rPr>
+              <a:t>: </a:t>
+            </a:r>
+            <a:r>
+              <a:rPr lang="es-MX" dirty="0">
+                <a:solidFill>
+                  <a:schemeClr val="bg2"/>
+                </a:solidFill>
+              </a:rPr>
+              <a:t>Proporciona una interfaz para conectarse y interactuar con bases de datos MySQL desde Python. Se utiliza para realizar operaciones como consultas, inserciones y actualizaciones en la base de datos.</a:t>
+            </a:r>
+          </a:p>
+          <a:p>
+            <a:pPr marL="285750" indent="-285750" algn="just">
+              <a:buFont typeface="Arial" panose="020B0604020202020204" pitchFamily="34" charset="0"/>
+              <a:buChar char="•"/>
+            </a:pPr>
+            <a:endParaRPr lang="es-MX" dirty="0">
+              <a:solidFill>
+                <a:schemeClr val="bg2"/>
+              </a:solidFill>
+            </a:endParaRPr>
+          </a:p>
+          <a:p>
+            <a:pPr marL="285750" indent="-285750" algn="just">
+              <a:buFont typeface="Arial" panose="020B0604020202020204" pitchFamily="34" charset="0"/>
+              <a:buChar char="•"/>
+            </a:pPr>
+            <a:r>
+              <a:rPr lang="es-MX" b="1" dirty="0" err="1">
+                <a:solidFill>
+                  <a:schemeClr val="bg2"/>
+                </a:solidFill>
+              </a:rPr>
+              <a:t>torch</a:t>
+            </a:r>
+            <a:r>
+              <a:rPr lang="es-MX" b="1" dirty="0">
+                <a:solidFill>
+                  <a:schemeClr val="bg2"/>
+                </a:solidFill>
+              </a:rPr>
+              <a:t>: </a:t>
+            </a:r>
+            <a:r>
+              <a:rPr lang="es-MX" dirty="0">
+                <a:solidFill>
+                  <a:schemeClr val="bg2"/>
+                </a:solidFill>
+              </a:rPr>
+              <a:t>Parte de </a:t>
+            </a:r>
+            <a:r>
+              <a:rPr lang="es-MX" dirty="0" err="1">
+                <a:solidFill>
+                  <a:schemeClr val="bg2"/>
+                </a:solidFill>
+              </a:rPr>
+              <a:t>PyTorch</a:t>
+            </a:r>
+            <a:r>
+              <a:rPr lang="es-MX" dirty="0">
+                <a:solidFill>
+                  <a:schemeClr val="bg2"/>
+                </a:solidFill>
+              </a:rPr>
+              <a:t>, una biblioteca de aprendizaje profundo que proporciona herramientas para crear y entrenar redes neuronales. Se utiliza para cargar y ejecutar el modelo YOLOv5 para la detección de objetos.</a:t>
+            </a:r>
+          </a:p>
+          <a:p>
+            <a:pPr marL="285750" indent="-285750" algn="just">
+              <a:buFont typeface="Arial" panose="020B0604020202020204" pitchFamily="34" charset="0"/>
+              <a:buChar char="•"/>
+            </a:pPr>
+            <a:endParaRPr lang="es-MX" dirty="0">
+              <a:solidFill>
+                <a:schemeClr val="bg2"/>
+              </a:solidFill>
+            </a:endParaRPr>
+          </a:p>
+          <a:p>
+            <a:pPr marL="285750" indent="-285750" algn="just">
+              <a:buFont typeface="Arial" panose="020B0604020202020204" pitchFamily="34" charset="0"/>
+              <a:buChar char="•"/>
+            </a:pPr>
+            <a:r>
+              <a:rPr lang="es-MX" b="1" dirty="0" err="1">
+                <a:solidFill>
+                  <a:schemeClr val="bg2"/>
+                </a:solidFill>
+              </a:rPr>
+              <a:t>opencv</a:t>
+            </a:r>
+            <a:r>
+              <a:rPr lang="es-MX" b="1" dirty="0">
+                <a:solidFill>
+                  <a:schemeClr val="bg2"/>
+                </a:solidFill>
+              </a:rPr>
+              <a:t>: </a:t>
+            </a:r>
+            <a:r>
+              <a:rPr lang="es-MX" dirty="0">
+                <a:solidFill>
+                  <a:schemeClr val="bg2"/>
+                </a:solidFill>
+              </a:rPr>
+              <a:t>Open </a:t>
+            </a:r>
+            <a:r>
+              <a:rPr lang="es-MX" dirty="0" err="1">
+                <a:solidFill>
+                  <a:schemeClr val="bg2"/>
+                </a:solidFill>
+              </a:rPr>
+              <a:t>Source</a:t>
+            </a:r>
+            <a:r>
+              <a:rPr lang="es-MX" dirty="0">
+                <a:solidFill>
+                  <a:schemeClr val="bg2"/>
+                </a:solidFill>
+              </a:rPr>
+              <a:t> </a:t>
+            </a:r>
+            <a:r>
+              <a:rPr lang="es-MX" dirty="0" err="1">
+                <a:solidFill>
+                  <a:schemeClr val="bg2"/>
+                </a:solidFill>
+              </a:rPr>
+              <a:t>Computer</a:t>
+            </a:r>
+            <a:r>
+              <a:rPr lang="es-MX" dirty="0">
+                <a:solidFill>
+                  <a:schemeClr val="bg2"/>
+                </a:solidFill>
+              </a:rPr>
+              <a:t> </a:t>
+            </a:r>
+            <a:r>
+              <a:rPr lang="es-MX" dirty="0" err="1">
+                <a:solidFill>
+                  <a:schemeClr val="bg2"/>
+                </a:solidFill>
+              </a:rPr>
+              <a:t>Vision</a:t>
+            </a:r>
+            <a:r>
+              <a:rPr lang="es-MX" dirty="0">
+                <a:solidFill>
+                  <a:schemeClr val="bg2"/>
+                </a:solidFill>
+              </a:rPr>
+              <a:t> Library es una biblioteca de visión por computadora que incluye diversas funciones para el procesamiento de imágenes y videos. Es utilizada para capturar imágenes de la cámara y procesar cuadros de video.</a:t>
+            </a:r>
+          </a:p>
+          <a:p>
+            <a:pPr marL="285750" indent="-285750" algn="just">
+              <a:buFont typeface="Arial" panose="020B0604020202020204" pitchFamily="34" charset="0"/>
+              <a:buChar char="•"/>
+            </a:pPr>
+            <a:endParaRPr lang="es-MX" dirty="0">
+              <a:solidFill>
+                <a:schemeClr val="bg2"/>
+              </a:solidFill>
+            </a:endParaRPr>
+          </a:p>
+          <a:p>
+            <a:pPr marL="285750" indent="-285750" algn="just">
+              <a:buFont typeface="Arial" panose="020B0604020202020204" pitchFamily="34" charset="0"/>
+              <a:buChar char="•"/>
+            </a:pPr>
+            <a:r>
+              <a:rPr lang="es-MX" b="1" dirty="0">
+                <a:solidFill>
+                  <a:schemeClr val="bg2"/>
+                </a:solidFill>
+              </a:rPr>
+              <a:t>Google </a:t>
+            </a:r>
+            <a:r>
+              <a:rPr lang="es-MX" b="1" dirty="0" err="1">
+                <a:solidFill>
+                  <a:schemeClr val="bg2"/>
+                </a:solidFill>
+              </a:rPr>
+              <a:t>Colab</a:t>
+            </a:r>
+            <a:r>
+              <a:rPr lang="es-MX" b="1" dirty="0">
+                <a:solidFill>
+                  <a:schemeClr val="bg2"/>
+                </a:solidFill>
+              </a:rPr>
+              <a:t> de YoloV5</a:t>
+            </a:r>
+            <a:r>
+              <a:rPr lang="es-MX" dirty="0">
+                <a:solidFill>
+                  <a:schemeClr val="bg2"/>
+                </a:solidFill>
+              </a:rPr>
+              <a:t>: Estamos utilizando el modelo de machine </a:t>
+            </a:r>
+            <a:r>
+              <a:rPr lang="es-MX" dirty="0" err="1">
+                <a:solidFill>
+                  <a:schemeClr val="bg2"/>
+                </a:solidFill>
+              </a:rPr>
+              <a:t>learning</a:t>
+            </a:r>
+            <a:r>
+              <a:rPr lang="es-MX" dirty="0">
+                <a:solidFill>
+                  <a:schemeClr val="bg2"/>
+                </a:solidFill>
+              </a:rPr>
+              <a:t> YOLOv5 (</a:t>
+            </a:r>
+            <a:r>
+              <a:rPr lang="es-MX" dirty="0" err="1">
+                <a:solidFill>
+                  <a:schemeClr val="bg2"/>
+                </a:solidFill>
+              </a:rPr>
+              <a:t>You</a:t>
+            </a:r>
+            <a:r>
+              <a:rPr lang="es-MX" dirty="0">
+                <a:solidFill>
+                  <a:schemeClr val="bg2"/>
+                </a:solidFill>
+              </a:rPr>
+              <a:t> </a:t>
+            </a:r>
+            <a:r>
+              <a:rPr lang="es-MX" dirty="0" err="1">
+                <a:solidFill>
+                  <a:schemeClr val="bg2"/>
+                </a:solidFill>
+              </a:rPr>
+              <a:t>Only</a:t>
+            </a:r>
+            <a:r>
+              <a:rPr lang="es-MX" dirty="0">
+                <a:solidFill>
+                  <a:schemeClr val="bg2"/>
+                </a:solidFill>
+              </a:rPr>
+              <a:t> Look Once, versión 5) para la detección de objetos.</a:t>
+            </a:r>
+          </a:p>
+          <a:p>
+            <a:pPr algn="just"/>
+            <a:endParaRPr lang="es-MX" dirty="0">
+              <a:solidFill>
+                <a:schemeClr val="bg2"/>
+              </a:solidFill>
+            </a:endParaRPr>
+          </a:p>
+          <a:p>
+            <a:pPr algn="just"/>
+            <a:endParaRPr lang="es-MX" dirty="0">
+              <a:solidFill>
+                <a:schemeClr val="bg2"/>
+              </a:solidFill>
+            </a:endParaRPr>
+          </a:p>
+        </p:txBody>
+      </p:sp>
+      <p:grpSp>
+        <p:nvGrpSpPr>
+          <p:cNvPr id="5" name="Google Shape;69;p3">
+            <a:extLst>
+              <a:ext uri="{FF2B5EF4-FFF2-40B4-BE49-F238E27FC236}">
+                <a16:creationId xmlns:a16="http://schemas.microsoft.com/office/drawing/2014/main" id="{70ED7B7F-DD2D-68E0-6984-1F4C8A5C6B3F}"/>
+              </a:ext>
+            </a:extLst>
+          </p:cNvPr>
+          <p:cNvGrpSpPr/>
+          <p:nvPr/>
+        </p:nvGrpSpPr>
+        <p:grpSpPr>
+          <a:xfrm>
+            <a:off x="618248" y="1706216"/>
+            <a:ext cx="8037689" cy="632207"/>
+            <a:chOff x="4181256" y="3224809"/>
+            <a:chExt cx="8037689" cy="632207"/>
+          </a:xfrm>
+        </p:grpSpPr>
+        <p:sp>
+          <p:nvSpPr>
+            <p:cNvPr id="6" name="Google Shape;70;p3">
+              <a:extLst>
+                <a:ext uri="{FF2B5EF4-FFF2-40B4-BE49-F238E27FC236}">
+                  <a16:creationId xmlns:a16="http://schemas.microsoft.com/office/drawing/2014/main" id="{11B5D045-D98A-D1A9-E439-907427A128D8}"/>
+                </a:ext>
+              </a:extLst>
+            </p:cNvPr>
+            <p:cNvSpPr/>
+            <p:nvPr/>
+          </p:nvSpPr>
+          <p:spPr>
+            <a:xfrm>
+              <a:off x="4364136" y="3225982"/>
+              <a:ext cx="7854809" cy="276999"/>
+            </a:xfrm>
+            <a:prstGeom prst="rect">
+              <a:avLst/>
+            </a:prstGeom>
+            <a:noFill/>
+            <a:ln>
+              <a:noFill/>
+            </a:ln>
+          </p:spPr>
+          <p:txBody>
+            <a:bodyPr spcFirstLastPara="1" wrap="square" lIns="0" tIns="0" rIns="0" bIns="0" anchor="ctr" anchorCtr="0">
+              <a:spAutoFit/>
+            </a:bodyPr>
+            <a:lstStyle/>
+            <a:p>
+              <a:r>
+                <a:rPr lang="es-VE" sz="1800" b="1" dirty="0">
+                  <a:solidFill>
+                    <a:srgbClr val="3F3F3F"/>
+                  </a:solidFill>
+                </a:rPr>
+                <a:t>Arquitectura del proyecto</a:t>
+              </a:r>
+              <a:endParaRPr lang="en-US" b="1" dirty="0"/>
+            </a:p>
+          </p:txBody>
+        </p:sp>
+        <p:sp>
+          <p:nvSpPr>
+            <p:cNvPr id="7" name="Google Shape;71;p3">
+              <a:extLst>
+                <a:ext uri="{FF2B5EF4-FFF2-40B4-BE49-F238E27FC236}">
+                  <a16:creationId xmlns:a16="http://schemas.microsoft.com/office/drawing/2014/main" id="{ECD1EBA3-C8C2-501F-5C63-5CEDBDA8370E}"/>
+                </a:ext>
+              </a:extLst>
+            </p:cNvPr>
+            <p:cNvSpPr/>
+            <p:nvPr/>
+          </p:nvSpPr>
+          <p:spPr>
+            <a:xfrm>
+              <a:off x="4181256" y="3224809"/>
+              <a:ext cx="36000" cy="252000"/>
+            </a:xfrm>
+            <a:prstGeom prst="rect">
+              <a:avLst/>
+            </a:prstGeom>
+            <a:solidFill>
+              <a:srgbClr val="193EB0"/>
+            </a:solidFill>
+            <a:ln>
+              <a:noFill/>
+            </a:ln>
+          </p:spPr>
+          <p:txBody>
+            <a:bodyPr spcFirstLastPara="1" wrap="square" lIns="91425" tIns="45700" rIns="91425" bIns="45700" anchor="ctr" anchorCtr="0">
+              <a:noAutofit/>
+            </a:bodyPr>
+            <a:lstStyle/>
+            <a:p>
+              <a:pPr marL="0" marR="0" lvl="0" indent="0" algn="ctr" rtl="0">
+                <a:spcBef>
+                  <a:spcPts val="0"/>
+                </a:spcBef>
+                <a:spcAft>
+                  <a:spcPts val="0"/>
+                </a:spcAft>
+                <a:buNone/>
+              </a:pPr>
+              <a:endParaRPr sz="2800">
+                <a:solidFill>
+                  <a:schemeClr val="lt1"/>
+                </a:solidFill>
+                <a:latin typeface="Calibri"/>
+                <a:ea typeface="Calibri"/>
+                <a:cs typeface="Calibri"/>
+                <a:sym typeface="Calibri"/>
+              </a:endParaRPr>
+            </a:p>
+          </p:txBody>
+        </p:sp>
+        <p:sp>
+          <p:nvSpPr>
+            <p:cNvPr id="8" name="Google Shape;72;p3">
+              <a:extLst>
+                <a:ext uri="{FF2B5EF4-FFF2-40B4-BE49-F238E27FC236}">
+                  <a16:creationId xmlns:a16="http://schemas.microsoft.com/office/drawing/2014/main" id="{81C4721F-0EEF-F1DA-B387-A686DF2F88D9}"/>
+                </a:ext>
+              </a:extLst>
+            </p:cNvPr>
+            <p:cNvSpPr/>
+            <p:nvPr/>
+          </p:nvSpPr>
+          <p:spPr>
+            <a:xfrm>
+              <a:off x="5160752" y="3641572"/>
+              <a:ext cx="3400417" cy="215444"/>
+            </a:xfrm>
+            <a:prstGeom prst="rect">
+              <a:avLst/>
+            </a:prstGeom>
+            <a:noFill/>
+            <a:ln>
+              <a:noFill/>
+            </a:ln>
+          </p:spPr>
+          <p:txBody>
+            <a:bodyPr spcFirstLastPara="1" wrap="square" lIns="0" tIns="0" rIns="0" bIns="0" anchor="t" anchorCtr="0">
+              <a:spAutoFit/>
+            </a:bodyPr>
+            <a:lstStyle/>
+            <a:p>
+              <a:pPr marL="0" marR="0" lvl="0" indent="0" algn="l" rtl="0">
+                <a:spcBef>
+                  <a:spcPts val="0"/>
+                </a:spcBef>
+                <a:spcAft>
+                  <a:spcPts val="0"/>
+                </a:spcAft>
+                <a:buNone/>
+              </a:pPr>
+              <a:endParaRPr/>
+            </a:p>
+          </p:txBody>
+        </p:sp>
+      </p:grpSp>
+      <p:pic>
+        <p:nvPicPr>
+          <p:cNvPr id="1026" name="Picture 2" descr="esta1">
+            <a:extLst>
+              <a:ext uri="{FF2B5EF4-FFF2-40B4-BE49-F238E27FC236}">
+                <a16:creationId xmlns:a16="http://schemas.microsoft.com/office/drawing/2014/main" id="{987217B1-80B5-2516-5BEE-DF1ED4DFC041}"/>
+              </a:ext>
+            </a:extLst>
+          </p:cNvPr>
+          <p:cNvPicPr>
+            <a:picLocks noChangeAspect="1" noChangeArrowheads="1"/>
+          </p:cNvPicPr>
+          <p:nvPr/>
+        </p:nvPicPr>
+        <p:blipFill>
+          <a:blip r:embed="rId4">
+            <a:extLst>
+              <a:ext uri="{28A0092B-C50C-407E-A947-70E740481C1C}">
+                <a14:useLocalDpi xmlns:a14="http://schemas.microsoft.com/office/drawing/2010/main" val="0"/>
+              </a:ext>
+            </a:extLst>
+          </a:blip>
+          <a:srcRect/>
+          <a:stretch>
+            <a:fillRect/>
+          </a:stretch>
+        </p:blipFill>
+        <p:spPr bwMode="auto">
+          <a:xfrm>
+            <a:off x="5427415" y="2122979"/>
+            <a:ext cx="4612023" cy="3873194"/>
+          </a:xfrm>
+          <a:prstGeom prst="rect">
+            <a:avLst/>
+          </a:prstGeom>
+          <a:noFill/>
+          <a:extLst>
+            <a:ext uri="{909E8E84-426E-40DD-AFC4-6F175D3DCCD1}">
+              <a14:hiddenFill xmlns:a14="http://schemas.microsoft.com/office/drawing/2010/main">
+                <a:solidFill>
+                  <a:srgbClr val="FFFFFF"/>
+                </a:solidFill>
+              </a14:hiddenFill>
+            </a:ext>
+          </a:extLst>
+        </p:spPr>
+      </p:pic>
+    </p:spTree>
+    <p:custDataLst>
+      <p:tags r:id="rId1"/>
+    </p:custDataLst>
+    <p:extLst>
+      <p:ext uri="{BB962C8B-B14F-4D97-AF65-F5344CB8AC3E}">
+        <p14:creationId xmlns:p14="http://schemas.microsoft.com/office/powerpoint/2010/main" val="1084805334"/>
       </p:ext>
     </p:extLst>
   </p:cSld>
@@ -12117,12 +11119,6 @@
 </file>
 
 <file path=ppt/tags/tag12.xml><?xml version="1.0" encoding="utf-8"?>
-<p:tagLst xmlns:a="http://schemas.openxmlformats.org/drawingml/2006/main" xmlns:r="http://schemas.openxmlformats.org/officeDocument/2006/relationships" xmlns:p="http://schemas.openxmlformats.org/presentationml/2006/main">
-  <p:tag name="GENSWF_SLIDE_UID" val="{D64D573C-6EAB-4E20-91DB-702E2CBC137C}:258"/>
-</p:tagLst>
-</file>
-
-<file path=ppt/tags/tag13.xml><?xml version="1.0" encoding="utf-8"?>
 <p:tagLst xmlns:a="http://schemas.openxmlformats.org/drawingml/2006/main" xmlns:r="http://schemas.openxmlformats.org/officeDocument/2006/relationships" xmlns:p="http://schemas.openxmlformats.org/presentationml/2006/main">
   <p:tag name="GENSWF_SLIDE_UID" val="{0F8749A0-28C9-4539-9208-597D833BCFDC}:260"/>
 </p:tagLst>
@@ -12739,6 +11735,15 @@
 </file>
 
 <file path=customXml/item1.xml><?xml version="1.0" encoding="utf-8"?>
+<?mso-contentType ?>
+<FormTemplates xmlns="http://schemas.microsoft.com/sharepoint/v3/contenttype/forms">
+  <Display>DocumentLibraryForm</Display>
+  <Edit>DocumentLibraryForm</Edit>
+  <New>DocumentLibraryForm</New>
+</FormTemplates>
+</file>
+
+<file path=customXml/item2.xml><?xml version="1.0" encoding="utf-8"?>
 <ct:contentTypeSchema xmlns:ct="http://schemas.microsoft.com/office/2006/metadata/contentType" xmlns:ma="http://schemas.microsoft.com/office/2006/metadata/properties/metaAttributes" ct:_="" ma:_="" ma:contentTypeName="Documento" ma:contentTypeID="0x0101001D9822403BB1B243B0C89A1E37CF5E17" ma:contentTypeVersion="13" ma:contentTypeDescription="Crear nuevo documento." ma:contentTypeScope="" ma:versionID="7cb877a00c24d9d84de71874f2e98694">
   <xsd:schema xmlns:xsd="http://www.w3.org/2001/XMLSchema" xmlns:xs="http://www.w3.org/2001/XMLSchema" xmlns:p="http://schemas.microsoft.com/office/2006/metadata/properties" xmlns:ns3="2e8470b7-bab6-429d-a828-30cc84fac60c" xmlns:ns4="1c0b3001-344e-4c0c-ae18-7f9bb6e9153e" targetNamespace="http://schemas.microsoft.com/office/2006/metadata/properties" ma:root="true" ma:fieldsID="792b2a56e7d6c0b4f806ee7b95af5d72" ns3:_="" ns4:_="">
     <xsd:import namespace="2e8470b7-bab6-429d-a828-30cc84fac60c"/>
@@ -12959,15 +11964,6 @@
 </ct:contentTypeSchema>
 </file>
 
-<file path=customXml/item2.xml><?xml version="1.0" encoding="utf-8"?>
-<?mso-contentType ?>
-<FormTemplates xmlns="http://schemas.microsoft.com/sharepoint/v3/contenttype/forms">
-  <Display>DocumentLibraryForm</Display>
-  <Edit>DocumentLibraryForm</Edit>
-  <New>DocumentLibraryForm</New>
-</FormTemplates>
-</file>
-
 <file path=customXml/item3.xml><?xml version="1.0" encoding="utf-8"?>
 <p:properties xmlns:p="http://schemas.microsoft.com/office/2006/metadata/properties" xmlns:xsi="http://www.w3.org/2001/XMLSchema-instance" xmlns:pc="http://schemas.microsoft.com/office/infopath/2007/PartnerControls">
   <documentManagement>
@@ -12977,6 +11973,14 @@
 </file>
 
 <file path=customXml/itemProps1.xml><?xml version="1.0" encoding="utf-8"?>
+<ds:datastoreItem xmlns:ds="http://schemas.openxmlformats.org/officeDocument/2006/customXml" ds:itemID="{E62A80BD-D6D2-4953-9A10-C898E07A6865}">
+  <ds:schemaRefs>
+    <ds:schemaRef ds:uri="http://schemas.microsoft.com/sharepoint/v3/contenttype/forms"/>
+  </ds:schemaRefs>
+</ds:datastoreItem>
+</file>
+
+<file path=customXml/itemProps2.xml><?xml version="1.0" encoding="utf-8"?>
 <ds:datastoreItem xmlns:ds="http://schemas.openxmlformats.org/officeDocument/2006/customXml" ds:itemID="{2EAEE5F0-3042-4AA6-88B8-BCE98B4B9FF1}">
   <ds:schemaRefs>
     <ds:schemaRef ds:uri="http://schemas.microsoft.com/office/2006/metadata/contentType"/>
@@ -12991,14 +11995,6 @@
     <ds:schemaRef ds:uri="http://purl.org/dc/elements/1.1/"/>
     <ds:schemaRef ds:uri="http://purl.org/dc/terms/"/>
     <ds:schemaRef ds:uri="http://schemas.microsoft.com/internal/obd"/>
-  </ds:schemaRefs>
-</ds:datastoreItem>
-</file>
-
-<file path=customXml/itemProps2.xml><?xml version="1.0" encoding="utf-8"?>
-<ds:datastoreItem xmlns:ds="http://schemas.openxmlformats.org/officeDocument/2006/customXml" ds:itemID="{E62A80BD-D6D2-4953-9A10-C898E07A6865}">
-  <ds:schemaRefs>
-    <ds:schemaRef ds:uri="http://schemas.microsoft.com/sharepoint/v3/contenttype/forms"/>
   </ds:schemaRefs>
 </ds:datastoreItem>
 </file>
